--- a/topic-06-jQuery-2/talk-1/talk-1.pptx
+++ b/topic-06-jQuery-2/talk-1/talk-1.pptx
@@ -5,29 +5,33 @@
     <p:sldMasterId id="2147483861" r:id="rId1"/>
   </p:sldMasterIdLst>
   <p:notesMasterIdLst>
-    <p:notesMasterId r:id="rId22"/>
+    <p:notesMasterId r:id="rId26"/>
   </p:notesMasterIdLst>
   <p:sldIdLst>
     <p:sldId id="283" r:id="rId2"/>
     <p:sldId id="284" r:id="rId3"/>
     <p:sldId id="285" r:id="rId4"/>
-    <p:sldId id="286" r:id="rId5"/>
-    <p:sldId id="287" r:id="rId6"/>
-    <p:sldId id="288" r:id="rId7"/>
-    <p:sldId id="289" r:id="rId8"/>
-    <p:sldId id="290" r:id="rId9"/>
-    <p:sldId id="291" r:id="rId10"/>
-    <p:sldId id="292" r:id="rId11"/>
-    <p:sldId id="293" r:id="rId12"/>
-    <p:sldId id="294" r:id="rId13"/>
-    <p:sldId id="295" r:id="rId14"/>
-    <p:sldId id="296" r:id="rId15"/>
-    <p:sldId id="297" r:id="rId16"/>
-    <p:sldId id="298" r:id="rId17"/>
-    <p:sldId id="299" r:id="rId18"/>
-    <p:sldId id="300" r:id="rId19"/>
-    <p:sldId id="301" r:id="rId20"/>
-    <p:sldId id="302" r:id="rId21"/>
+    <p:sldId id="289" r:id="rId5"/>
+    <p:sldId id="290" r:id="rId6"/>
+    <p:sldId id="291" r:id="rId7"/>
+    <p:sldId id="292" r:id="rId8"/>
+    <p:sldId id="293" r:id="rId9"/>
+    <p:sldId id="294" r:id="rId10"/>
+    <p:sldId id="295" r:id="rId11"/>
+    <p:sldId id="296" r:id="rId12"/>
+    <p:sldId id="297" r:id="rId13"/>
+    <p:sldId id="298" r:id="rId14"/>
+    <p:sldId id="299" r:id="rId15"/>
+    <p:sldId id="300" r:id="rId16"/>
+    <p:sldId id="301" r:id="rId17"/>
+    <p:sldId id="302" r:id="rId18"/>
+    <p:sldId id="303" r:id="rId19"/>
+    <p:sldId id="304" r:id="rId20"/>
+    <p:sldId id="305" r:id="rId21"/>
+    <p:sldId id="306" r:id="rId22"/>
+    <p:sldId id="307" r:id="rId23"/>
+    <p:sldId id="308" r:id="rId24"/>
+    <p:sldId id="309" r:id="rId25"/>
   </p:sldIdLst>
   <p:sldSz cx="9144000" cy="6858000" type="screen4x3"/>
   <p:notesSz cx="6858000" cy="9144000"/>
@@ -128,7 +132,7 @@
   </p:defaultTextStyle>
   <p:extLst>
     <p:ext uri="{EFAFB233-063F-42B5-8137-9DF3F51BA10A}">
-      <p15:sldGuideLst xmlns="" xmlns:p15="http://schemas.microsoft.com/office/powerpoint/2012/main">
+      <p15:sldGuideLst xmlns:p15="http://schemas.microsoft.com/office/powerpoint/2012/main" xmlns="">
         <p15:guide id="1" orient="horz" pos="2160">
           <p15:clr>
             <a:srgbClr val="A4A3A4"/>
@@ -227,7 +231,7 @@
           <a:p>
             <a:fld id="{31E3A3E0-0EEC-43C3-B8B8-6A5D051024B7}" type="datetimeFigureOut">
               <a:rPr lang="en-US" smtClean="0"/>
-              <a:t>2/24/2018</a:t>
+              <a:t>2/25/2018</a:t>
             </a:fld>
             <a:endParaRPr lang="en-US"/>
           </a:p>
@@ -1706,7 +1710,7 @@
           <a:p>
             <a:fld id="{4BC48473-ACCD-4242-806A-1249CC2C55A8}" type="datetimeFigureOut">
               <a:rPr lang="en-US" smtClean="0"/>
-              <a:t>2/24/2018</a:t>
+              <a:t>2/25/2018</a:t>
             </a:fld>
             <a:endParaRPr lang="en-US"/>
           </a:p>
@@ -1982,7 +1986,7 @@
           <a:p>
             <a:fld id="{4BC48473-ACCD-4242-806A-1249CC2C55A8}" type="datetimeFigureOut">
               <a:rPr lang="en-US" smtClean="0"/>
-              <a:t>2/24/2018</a:t>
+              <a:t>2/25/2018</a:t>
             </a:fld>
             <a:endParaRPr lang="en-US"/>
           </a:p>
@@ -2162,7 +2166,7 @@
           <a:p>
             <a:fld id="{4BC48473-ACCD-4242-806A-1249CC2C55A8}" type="datetimeFigureOut">
               <a:rPr lang="en-US" smtClean="0"/>
-              <a:t>2/24/2018</a:t>
+              <a:t>2/25/2018</a:t>
             </a:fld>
             <a:endParaRPr lang="en-US"/>
           </a:p>
@@ -2332,7 +2336,7 @@
           <a:p>
             <a:fld id="{4BC48473-ACCD-4242-806A-1249CC2C55A8}" type="datetimeFigureOut">
               <a:rPr lang="en-US" smtClean="0"/>
-              <a:t>2/24/2018</a:t>
+              <a:t>2/25/2018</a:t>
             </a:fld>
             <a:endParaRPr lang="en-US"/>
           </a:p>
@@ -2928,7 +2932,7 @@
           <a:p>
             <a:fld id="{4BC48473-ACCD-4242-806A-1249CC2C55A8}" type="datetimeFigureOut">
               <a:rPr lang="en-US" smtClean="0"/>
-              <a:t>2/24/2018</a:t>
+              <a:t>2/25/2018</a:t>
             </a:fld>
             <a:endParaRPr lang="en-US"/>
           </a:p>
@@ -4734,7 +4738,7 @@
           <a:p>
             <a:fld id="{4BC48473-ACCD-4242-806A-1249CC2C55A8}" type="datetimeFigureOut">
               <a:rPr lang="en-US" smtClean="0"/>
-              <a:t>2/24/2018</a:t>
+              <a:t>2/25/2018</a:t>
             </a:fld>
             <a:endParaRPr lang="en-US"/>
           </a:p>
@@ -4794,7 +4798,7 @@
   </p:clrMapOvr>
   <p:extLst mod="1">
     <p:ext uri="{DCECCB84-F9BA-43D5-87BE-67443E8EF086}">
-      <p15:sldGuideLst xmlns="" xmlns:p15="http://schemas.microsoft.com/office/powerpoint/2012/main"/>
+      <p15:sldGuideLst xmlns:p15="http://schemas.microsoft.com/office/powerpoint/2012/main" xmlns=""/>
     </p:ext>
   </p:extLst>
 </p:sldLayout>
@@ -5124,7 +5128,7 @@
           <a:p>
             <a:fld id="{4BC48473-ACCD-4242-806A-1249CC2C55A8}" type="datetimeFigureOut">
               <a:rPr lang="en-US" smtClean="0"/>
-              <a:t>2/24/2018</a:t>
+              <a:t>2/25/2018</a:t>
             </a:fld>
             <a:endParaRPr lang="en-US"/>
           </a:p>
@@ -5184,7 +5188,7 @@
   </p:clrMapOvr>
   <p:extLst mod="1">
     <p:ext uri="{DCECCB84-F9BA-43D5-87BE-67443E8EF086}">
-      <p15:sldGuideLst xmlns="" xmlns:p15="http://schemas.microsoft.com/office/powerpoint/2012/main"/>
+      <p15:sldGuideLst xmlns:p15="http://schemas.microsoft.com/office/powerpoint/2012/main" xmlns=""/>
     </p:ext>
   </p:extLst>
 </p:sldLayout>
@@ -5247,7 +5251,7 @@
           <a:p>
             <a:fld id="{4BC48473-ACCD-4242-806A-1249CC2C55A8}" type="datetimeFigureOut">
               <a:rPr lang="en-US" smtClean="0"/>
-              <a:t>2/24/2018</a:t>
+              <a:t>2/25/2018</a:t>
             </a:fld>
             <a:endParaRPr lang="en-US"/>
           </a:p>
@@ -5342,7 +5346,7 @@
           <a:p>
             <a:fld id="{4BC48473-ACCD-4242-806A-1249CC2C55A8}" type="datetimeFigureOut">
               <a:rPr lang="en-US" smtClean="0"/>
-              <a:t>2/24/2018</a:t>
+              <a:t>2/25/2018</a:t>
             </a:fld>
             <a:endParaRPr lang="en-US"/>
           </a:p>
@@ -6107,7 +6111,7 @@
           <a:p>
             <a:fld id="{4BC48473-ACCD-4242-806A-1249CC2C55A8}" type="datetimeFigureOut">
               <a:rPr lang="en-US" smtClean="0"/>
-              <a:t>2/24/2018</a:t>
+              <a:t>2/25/2018</a:t>
             </a:fld>
             <a:endParaRPr lang="en-US"/>
           </a:p>
@@ -6253,7 +6257,7 @@
   </p:clrMapOvr>
   <p:extLst mod="1">
     <p:ext uri="{DCECCB84-F9BA-43D5-87BE-67443E8EF086}">
-      <p15:sldGuideLst xmlns="" xmlns:p15="http://schemas.microsoft.com/office/powerpoint/2012/main">
+      <p15:sldGuideLst xmlns:p15="http://schemas.microsoft.com/office/powerpoint/2012/main" xmlns="">
         <p15:guide id="1" orient="horz" pos="696">
           <p15:clr>
             <a:srgbClr val="FBAE40"/>
@@ -6987,7 +6991,7 @@
           <a:p>
             <a:fld id="{4BC48473-ACCD-4242-806A-1249CC2C55A8}" type="datetimeFigureOut">
               <a:rPr lang="en-US" smtClean="0"/>
-              <a:t>2/24/2018</a:t>
+              <a:t>2/25/2018</a:t>
             </a:fld>
             <a:endParaRPr lang="en-US"/>
           </a:p>
@@ -7252,7 +7256,7 @@
           <a:p>
             <a:fld id="{4BC48473-ACCD-4242-806A-1249CC2C55A8}" type="datetimeFigureOut">
               <a:rPr lang="en-US" smtClean="0"/>
-              <a:t>2/24/2018</a:t>
+              <a:t>2/25/2018</a:t>
             </a:fld>
             <a:endParaRPr lang="en-US"/>
           </a:p>
@@ -7870,7 +7874,7 @@
   </p:txStyles>
   <p:extLst mod="1">
     <p:ext uri="{27BBF7A9-308A-43DC-89C8-2F10F3537804}">
-      <p15:sldGuideLst xmlns="" xmlns:p15="http://schemas.microsoft.com/office/powerpoint/2012/main">
+      <p15:sldGuideLst xmlns:p15="http://schemas.microsoft.com/office/powerpoint/2012/main" xmlns="">
         <p15:guide id="1" pos="792">
           <p15:clr>
             <a:srgbClr val="F26B43"/>
@@ -7985,11 +7989,7 @@
             </a:br>
             <a:r>
               <a:rPr lang="en-IE" altLang="en-US" sz="6000" b="1" dirty="0" smtClean="0"/>
-              <a:t>(part </a:t>
-            </a:r>
-            <a:r>
-              <a:rPr lang="en-IE" altLang="en-US" sz="6000" b="1" dirty="0" smtClean="0"/>
-              <a:t>two)</a:t>
+              <a:t>(part two)</a:t>
             </a:r>
             <a:endParaRPr lang="tr-TR" altLang="en-US" sz="6000" b="1" dirty="0" smtClean="0"/>
           </a:p>
@@ -8048,12 +8048,8 @@
           <a:lstStyle/>
           <a:p>
             <a:r>
-              <a:rPr lang="en-IE" dirty="0" err="1" smtClean="0"/>
-              <a:t>Jquery</a:t>
-            </a:r>
-            <a:r>
               <a:rPr lang="en-IE" dirty="0" smtClean="0"/>
-              <a:t> hover</a:t>
+              <a:t>Image replacement</a:t>
             </a:r>
             <a:endParaRPr lang="en-IE" dirty="0"/>
           </a:p>
@@ -8076,70 +8072,51 @@
           <a:p>
             <a:r>
               <a:rPr lang="en-US" dirty="0"/>
-              <a:t>In the following example, if we move the mouse over the image it changes; move the mouse away and the original image is restored.</a:t>
-            </a:r>
+              <a:t>Because the images are included in links in the previous examples, if you clicked an image then you would follow the link and a new page would open displaying a bigger image of the link/image clicked. </a:t>
+            </a:r>
+          </a:p>
+          <a:p>
+            <a:r>
+              <a:rPr lang="en-US" dirty="0"/>
+              <a:t>We will now look at another example that will ignore the click event on the thumbnail image (and associated link) and instead get the link's </a:t>
+            </a:r>
+            <a:r>
+              <a:rPr lang="en-US" dirty="0" err="1"/>
+              <a:t>href</a:t>
+            </a:r>
+            <a:r>
+              <a:rPr lang="en-US" dirty="0"/>
+              <a:t> value and display it on the current page (i.e. replace the larger image with the </a:t>
+            </a:r>
+            <a:r>
+              <a:rPr lang="en-US" dirty="0" err="1"/>
+              <a:t>href</a:t>
+            </a:r>
+            <a:r>
+              <a:rPr lang="en-US" dirty="0"/>
+              <a:t> value of the chosen link). </a:t>
+            </a:r>
+            <a:endParaRPr lang="en-US" dirty="0" smtClean="0"/>
+          </a:p>
+          <a:p>
+            <a:r>
+              <a:rPr lang="en-US" dirty="0" smtClean="0"/>
+              <a:t>As </a:t>
+            </a:r>
+            <a:r>
+              <a:rPr lang="en-US" dirty="0"/>
+              <a:t>the image is being replaced, it fades into view slowly as opposed to immediately.</a:t>
+            </a:r>
+          </a:p>
+          <a:p>
             <a:endParaRPr lang="en-IE" dirty="0"/>
           </a:p>
         </p:txBody>
       </p:sp>
-      <p:pic>
-        <p:nvPicPr>
-          <p:cNvPr id="4098" name="Picture 2"/>
-          <p:cNvPicPr>
-            <a:picLocks noChangeAspect="1" noChangeArrowheads="1"/>
-          </p:cNvPicPr>
-          <p:nvPr/>
-        </p:nvPicPr>
-        <p:blipFill>
-          <a:blip r:embed="rId2">
-            <a:extLst>
-              <a:ext uri="{28A0092B-C50C-407E-A947-70E740481C1C}">
-                <a14:useLocalDpi xmlns:a14="http://schemas.microsoft.com/office/drawing/2010/main" val="0"/>
-              </a:ext>
-            </a:extLst>
-          </a:blip>
-          <a:srcRect/>
-          <a:stretch>
-            <a:fillRect/>
-          </a:stretch>
-        </p:blipFill>
-        <p:spPr bwMode="auto">
-          <a:xfrm>
-            <a:off x="1646911" y="3276600"/>
-            <a:ext cx="5973089" cy="2347912"/>
-          </a:xfrm>
-          <a:prstGeom prst="rect">
-            <a:avLst/>
-          </a:prstGeom>
-          <a:noFill/>
-          <a:ln>
-            <a:noFill/>
-          </a:ln>
-          <a:extLst>
-            <a:ext uri="{909E8E84-426E-40DD-AFC4-6F175D3DCCD1}">
-              <a14:hiddenFill xmlns:a14="http://schemas.microsoft.com/office/drawing/2010/main">
-                <a:solidFill>
-                  <a:schemeClr val="accent1"/>
-                </a:solidFill>
-              </a14:hiddenFill>
-            </a:ext>
-            <a:ext uri="{91240B29-F687-4F45-9708-019B960494DF}">
-              <a14:hiddenLine xmlns:a14="http://schemas.microsoft.com/office/drawing/2010/main" w="9525">
-                <a:solidFill>
-                  <a:schemeClr val="tx1"/>
-                </a:solidFill>
-                <a:miter lim="800000"/>
-                <a:headEnd/>
-                <a:tailEnd/>
-              </a14:hiddenLine>
-            </a:ext>
-          </a:extLst>
-        </p:spPr>
-      </p:pic>
     </p:spTree>
     <p:extLst>
       <p:ext uri="{BB962C8B-B14F-4D97-AF65-F5344CB8AC3E}">
-        <p14:creationId xmlns:p14="http://schemas.microsoft.com/office/powerpoint/2010/main" val="902126714"/>
+        <p14:creationId xmlns:p14="http://schemas.microsoft.com/office/powerpoint/2010/main" val="1894452951"/>
       </p:ext>
     </p:extLst>
   </p:cSld>
@@ -8183,7 +8160,7 @@
           <a:p>
             <a:r>
               <a:rPr lang="en-IE" dirty="0" smtClean="0"/>
-              <a:t>Image rollover</a:t>
+              <a:t>Image replacement</a:t>
             </a:r>
             <a:endParaRPr lang="en-IE" dirty="0"/>
           </a:p>
@@ -8199,27 +8176,18 @@
             <p:ph idx="1"/>
           </p:nvPr>
         </p:nvSpPr>
-        <p:spPr>
-          <a:xfrm>
-            <a:off x="938758" y="2057400"/>
-            <a:ext cx="7633742" cy="3593591"/>
-          </a:xfrm>
-        </p:spPr>
+        <p:spPr/>
         <p:txBody>
           <a:bodyPr/>
           <a:lstStyle/>
           <a:p>
-            <a:r>
-              <a:rPr lang="en-US" dirty="0"/>
-              <a:t>We will now look at a method of performing image rollovers. This example uses the opacity property in CSS to control the display (1 = fully visible; 0 = fully invisible).</a:t>
-            </a:r>
-            <a:endParaRPr lang="en-IE" dirty="0"/>
+            <a:endParaRPr lang="en-US" dirty="0"/>
           </a:p>
         </p:txBody>
       </p:sp>
       <p:pic>
         <p:nvPicPr>
-          <p:cNvPr id="5122" name="Picture 2"/>
+          <p:cNvPr id="3074" name="Picture 2"/>
           <p:cNvPicPr>
             <a:picLocks noChangeAspect="1" noChangeArrowheads="1"/>
           </p:cNvPicPr>
@@ -8240,379 +8208,8 @@
         </p:blipFill>
         <p:spPr bwMode="auto">
           <a:xfrm>
-            <a:off x="2330904" y="3429000"/>
-            <a:ext cx="4679496" cy="2895600"/>
-          </a:xfrm>
-          <a:prstGeom prst="rect">
-            <a:avLst/>
-          </a:prstGeom>
-          <a:noFill/>
-          <a:ln>
-            <a:noFill/>
-          </a:ln>
-          <a:extLst>
-            <a:ext uri="{909E8E84-426E-40DD-AFC4-6F175D3DCCD1}">
-              <a14:hiddenFill xmlns:a14="http://schemas.microsoft.com/office/drawing/2010/main">
-                <a:solidFill>
-                  <a:schemeClr val="accent1"/>
-                </a:solidFill>
-              </a14:hiddenFill>
-            </a:ext>
-            <a:ext uri="{91240B29-F687-4F45-9708-019B960494DF}">
-              <a14:hiddenLine xmlns:a14="http://schemas.microsoft.com/office/drawing/2010/main" w="9525">
-                <a:solidFill>
-                  <a:schemeClr val="tx1"/>
-                </a:solidFill>
-                <a:miter lim="800000"/>
-                <a:headEnd/>
-                <a:tailEnd/>
-              </a14:hiddenLine>
-            </a:ext>
-          </a:extLst>
-        </p:spPr>
-      </p:pic>
-    </p:spTree>
-    <p:extLst>
-      <p:ext uri="{BB962C8B-B14F-4D97-AF65-F5344CB8AC3E}">
-        <p14:creationId xmlns:p14="http://schemas.microsoft.com/office/powerpoint/2010/main" val="2292206452"/>
-      </p:ext>
-    </p:extLst>
-  </p:cSld>
-  <p:clrMapOvr>
-    <a:masterClrMapping/>
-  </p:clrMapOvr>
-</p:sld>
-</file>
-
-<file path=ppt/slides/slide12.xml><?xml version="1.0" encoding="utf-8"?>
-<p:sld xmlns:a="http://schemas.openxmlformats.org/drawingml/2006/main" xmlns:r="http://schemas.openxmlformats.org/officeDocument/2006/relationships" xmlns:p="http://schemas.openxmlformats.org/presentationml/2006/main">
-  <p:cSld>
-    <p:spTree>
-      <p:nvGrpSpPr>
-        <p:cNvPr id="1" name=""/>
-        <p:cNvGrpSpPr/>
-        <p:nvPr/>
-      </p:nvGrpSpPr>
-      <p:grpSpPr>
-        <a:xfrm>
-          <a:off x="0" y="0"/>
-          <a:ext cx="0" cy="0"/>
-          <a:chOff x="0" y="0"/>
-          <a:chExt cx="0" cy="0"/>
-        </a:xfrm>
-      </p:grpSpPr>
-      <p:sp>
-        <p:nvSpPr>
-          <p:cNvPr id="2" name="Title 1"/>
-          <p:cNvSpPr>
-            <a:spLocks noGrp="1"/>
-          </p:cNvSpPr>
-          <p:nvPr>
-            <p:ph type="title"/>
-          </p:nvPr>
-        </p:nvSpPr>
-        <p:spPr/>
-        <p:txBody>
-          <a:bodyPr/>
-          <a:lstStyle/>
-          <a:p>
-            <a:r>
-              <a:rPr lang="en-IE" dirty="0" smtClean="0"/>
-              <a:t>Image rollover</a:t>
-            </a:r>
-            <a:endParaRPr lang="en-IE" dirty="0"/>
-          </a:p>
-        </p:txBody>
-      </p:sp>
-      <p:sp>
-        <p:nvSpPr>
-          <p:cNvPr id="3" name="Content Placeholder 2"/>
-          <p:cNvSpPr>
-            <a:spLocks noGrp="1"/>
-          </p:cNvSpPr>
-          <p:nvPr>
-            <p:ph idx="1"/>
-          </p:nvPr>
-        </p:nvSpPr>
-        <p:spPr>
-          <a:xfrm>
-            <a:off x="938758" y="1981200"/>
-            <a:ext cx="7633742" cy="3593591"/>
-          </a:xfrm>
-        </p:spPr>
-        <p:txBody>
-          <a:bodyPr/>
-          <a:lstStyle/>
-          <a:p>
-            <a:r>
-              <a:rPr lang="en-US" dirty="0"/>
-              <a:t>In this example, we also use the .</a:t>
-            </a:r>
-            <a:r>
-              <a:rPr lang="en-US" dirty="0" err="1"/>
-              <a:t>fadeTo</a:t>
-            </a:r>
-            <a:r>
-              <a:rPr lang="en-US" dirty="0"/>
-              <a:t>() method </a:t>
-            </a:r>
-            <a:r>
-              <a:rPr lang="en-US" dirty="0" err="1"/>
-              <a:t>tofade</a:t>
-            </a:r>
-            <a:r>
-              <a:rPr lang="en-US" dirty="0"/>
-              <a:t> in and out the opacity of the images.</a:t>
-            </a:r>
-            <a:endParaRPr lang="en-IE" dirty="0"/>
-          </a:p>
-        </p:txBody>
-      </p:sp>
-      <p:pic>
-        <p:nvPicPr>
-          <p:cNvPr id="6146" name="Picture 2"/>
-          <p:cNvPicPr>
-            <a:picLocks noChangeAspect="1" noChangeArrowheads="1"/>
-          </p:cNvPicPr>
-          <p:nvPr/>
-        </p:nvPicPr>
-        <p:blipFill>
-          <a:blip r:embed="rId2">
-            <a:extLst>
-              <a:ext uri="{28A0092B-C50C-407E-A947-70E740481C1C}">
-                <a14:useLocalDpi xmlns:a14="http://schemas.microsoft.com/office/drawing/2010/main" val="0"/>
-              </a:ext>
-            </a:extLst>
-          </a:blip>
-          <a:srcRect/>
-          <a:stretch>
-            <a:fillRect/>
-          </a:stretch>
-        </p:blipFill>
-        <p:spPr bwMode="auto">
-          <a:xfrm>
-            <a:off x="1979089" y="2986088"/>
-            <a:ext cx="5107511" cy="3262312"/>
-          </a:xfrm>
-          <a:prstGeom prst="rect">
-            <a:avLst/>
-          </a:prstGeom>
-          <a:noFill/>
-          <a:ln>
-            <a:noFill/>
-          </a:ln>
-          <a:extLst>
-            <a:ext uri="{909E8E84-426E-40DD-AFC4-6F175D3DCCD1}">
-              <a14:hiddenFill xmlns:a14="http://schemas.microsoft.com/office/drawing/2010/main">
-                <a:solidFill>
-                  <a:schemeClr val="accent1"/>
-                </a:solidFill>
-              </a14:hiddenFill>
-            </a:ext>
-            <a:ext uri="{91240B29-F687-4F45-9708-019B960494DF}">
-              <a14:hiddenLine xmlns:a14="http://schemas.microsoft.com/office/drawing/2010/main" w="9525">
-                <a:solidFill>
-                  <a:schemeClr val="tx1"/>
-                </a:solidFill>
-                <a:miter lim="800000"/>
-                <a:headEnd/>
-                <a:tailEnd/>
-              </a14:hiddenLine>
-            </a:ext>
-          </a:extLst>
-        </p:spPr>
-      </p:pic>
-    </p:spTree>
-    <p:extLst>
-      <p:ext uri="{BB962C8B-B14F-4D97-AF65-F5344CB8AC3E}">
-        <p14:creationId xmlns:p14="http://schemas.microsoft.com/office/powerpoint/2010/main" val="920779482"/>
-      </p:ext>
-    </p:extLst>
-  </p:cSld>
-  <p:clrMapOvr>
-    <a:masterClrMapping/>
-  </p:clrMapOvr>
-</p:sld>
-</file>
-
-<file path=ppt/slides/slide13.xml><?xml version="1.0" encoding="utf-8"?>
-<p:sld xmlns:a="http://schemas.openxmlformats.org/drawingml/2006/main" xmlns:r="http://schemas.openxmlformats.org/officeDocument/2006/relationships" xmlns:p="http://schemas.openxmlformats.org/presentationml/2006/main">
-  <p:cSld>
-    <p:spTree>
-      <p:nvGrpSpPr>
-        <p:cNvPr id="1" name=""/>
-        <p:cNvGrpSpPr/>
-        <p:nvPr/>
-      </p:nvGrpSpPr>
-      <p:grpSpPr>
-        <a:xfrm>
-          <a:off x="0" y="0"/>
-          <a:ext cx="0" cy="0"/>
-          <a:chOff x="0" y="0"/>
-          <a:chExt cx="0" cy="0"/>
-        </a:xfrm>
-      </p:grpSpPr>
-      <p:sp>
-        <p:nvSpPr>
-          <p:cNvPr id="2" name="Title 1"/>
-          <p:cNvSpPr>
-            <a:spLocks noGrp="1"/>
-          </p:cNvSpPr>
-          <p:nvPr>
-            <p:ph type="title"/>
-          </p:nvPr>
-        </p:nvSpPr>
-        <p:spPr/>
-        <p:txBody>
-          <a:bodyPr/>
-          <a:lstStyle/>
-          <a:p>
-            <a:r>
-              <a:rPr lang="en-IE" dirty="0" smtClean="0"/>
-              <a:t>Image replacement</a:t>
-            </a:r>
-            <a:endParaRPr lang="en-IE" dirty="0"/>
-          </a:p>
-        </p:txBody>
-      </p:sp>
-      <p:sp>
-        <p:nvSpPr>
-          <p:cNvPr id="3" name="Content Placeholder 2"/>
-          <p:cNvSpPr>
-            <a:spLocks noGrp="1"/>
-          </p:cNvSpPr>
-          <p:nvPr>
-            <p:ph idx="1"/>
-          </p:nvPr>
-        </p:nvSpPr>
-        <p:spPr/>
-        <p:txBody>
-          <a:bodyPr/>
-          <a:lstStyle/>
-          <a:p>
-            <a:r>
-              <a:rPr lang="en-US" dirty="0"/>
-              <a:t>Because the images are included in links in the previous examples, if you clicked an image then you would follow the link and a new page would open displaying a bigger image of the link/image clicked. </a:t>
-            </a:r>
-          </a:p>
-          <a:p>
-            <a:r>
-              <a:rPr lang="en-US" dirty="0"/>
-              <a:t>We will now look at another example that will ignore the click event on the thumbnail image (and associated link) and instead get the link's </a:t>
-            </a:r>
-            <a:r>
-              <a:rPr lang="en-US" dirty="0" err="1"/>
-              <a:t>href</a:t>
-            </a:r>
-            <a:r>
-              <a:rPr lang="en-US" dirty="0"/>
-              <a:t> value and display it on the current page (i.e. replace the larger image with the </a:t>
-            </a:r>
-            <a:r>
-              <a:rPr lang="en-US" dirty="0" err="1"/>
-              <a:t>href</a:t>
-            </a:r>
-            <a:r>
-              <a:rPr lang="en-US" dirty="0"/>
-              <a:t> value of the chosen link). </a:t>
-            </a:r>
-            <a:endParaRPr lang="en-US" dirty="0" smtClean="0"/>
-          </a:p>
-          <a:p>
-            <a:r>
-              <a:rPr lang="en-US" dirty="0" smtClean="0"/>
-              <a:t>As </a:t>
-            </a:r>
-            <a:r>
-              <a:rPr lang="en-US" dirty="0"/>
-              <a:t>the image is being replaced, it fades into view slowly as opposed to immediately.</a:t>
-            </a:r>
-          </a:p>
-          <a:p>
-            <a:endParaRPr lang="en-IE" dirty="0"/>
-          </a:p>
-        </p:txBody>
-      </p:sp>
-    </p:spTree>
-    <p:extLst>
-      <p:ext uri="{BB962C8B-B14F-4D97-AF65-F5344CB8AC3E}">
-        <p14:creationId xmlns:p14="http://schemas.microsoft.com/office/powerpoint/2010/main" val="1894452951"/>
-      </p:ext>
-    </p:extLst>
-  </p:cSld>
-  <p:clrMapOvr>
-    <a:masterClrMapping/>
-  </p:clrMapOvr>
-</p:sld>
-</file>
-
-<file path=ppt/slides/slide14.xml><?xml version="1.0" encoding="utf-8"?>
-<p:sld xmlns:a="http://schemas.openxmlformats.org/drawingml/2006/main" xmlns:r="http://schemas.openxmlformats.org/officeDocument/2006/relationships" xmlns:p="http://schemas.openxmlformats.org/presentationml/2006/main">
-  <p:cSld>
-    <p:spTree>
-      <p:nvGrpSpPr>
-        <p:cNvPr id="1" name=""/>
-        <p:cNvGrpSpPr/>
-        <p:nvPr/>
-      </p:nvGrpSpPr>
-      <p:grpSpPr>
-        <a:xfrm>
-          <a:off x="0" y="0"/>
-          <a:ext cx="0" cy="0"/>
-          <a:chOff x="0" y="0"/>
-          <a:chExt cx="0" cy="0"/>
-        </a:xfrm>
-      </p:grpSpPr>
-      <p:sp>
-        <p:nvSpPr>
-          <p:cNvPr id="2" name="Title 1"/>
-          <p:cNvSpPr>
-            <a:spLocks noGrp="1"/>
-          </p:cNvSpPr>
-          <p:nvPr>
-            <p:ph type="title"/>
-          </p:nvPr>
-        </p:nvSpPr>
-        <p:spPr/>
-        <p:txBody>
-          <a:bodyPr/>
-          <a:lstStyle/>
-          <a:p>
-            <a:r>
-              <a:rPr lang="en-IE" dirty="0" smtClean="0"/>
-              <a:t>Image replacement</a:t>
-            </a:r>
-            <a:endParaRPr lang="en-IE" dirty="0"/>
-          </a:p>
-        </p:txBody>
-      </p:sp>
-      <p:pic>
-        <p:nvPicPr>
-          <p:cNvPr id="7170" name="Picture 2"/>
-          <p:cNvPicPr>
-            <a:picLocks noGrp="1" noChangeAspect="1" noChangeArrowheads="1"/>
-          </p:cNvPicPr>
-          <p:nvPr>
-            <p:ph idx="1"/>
-          </p:nvPr>
-        </p:nvPicPr>
-        <p:blipFill>
-          <a:blip r:embed="rId2">
-            <a:extLst>
-              <a:ext uri="{28A0092B-C50C-407E-A947-70E740481C1C}">
-                <a14:useLocalDpi xmlns:a14="http://schemas.microsoft.com/office/drawing/2010/main" val="0"/>
-              </a:ext>
-            </a:extLst>
-          </a:blip>
-          <a:srcRect/>
-          <a:stretch>
-            <a:fillRect/>
-          </a:stretch>
-        </p:blipFill>
-        <p:spPr bwMode="auto">
-          <a:xfrm>
-            <a:off x="1524000" y="1828800"/>
-            <a:ext cx="6553200" cy="3739958"/>
+            <a:off x="1028700" y="2362200"/>
+            <a:ext cx="5905500" cy="3048000"/>
           </a:xfrm>
           <a:prstGeom prst="rect">
             <a:avLst/>
@@ -8652,6 +8249,473 @@
   <p:clrMapOvr>
     <a:masterClrMapping/>
   </p:clrMapOvr>
+  <p:timing>
+    <p:tnLst>
+      <p:par>
+        <p:cTn id="1" dur="indefinite" restart="never" nodeType="tmRoot"/>
+      </p:par>
+    </p:tnLst>
+  </p:timing>
+</p:sld>
+</file>
+
+<file path=ppt/slides/slide12.xml><?xml version="1.0" encoding="utf-8"?>
+<p:sld xmlns:a="http://schemas.openxmlformats.org/drawingml/2006/main" xmlns:r="http://schemas.openxmlformats.org/officeDocument/2006/relationships" xmlns:p="http://schemas.openxmlformats.org/presentationml/2006/main">
+  <p:cSld>
+    <p:spTree>
+      <p:nvGrpSpPr>
+        <p:cNvPr id="1" name=""/>
+        <p:cNvGrpSpPr/>
+        <p:nvPr/>
+      </p:nvGrpSpPr>
+      <p:grpSpPr>
+        <a:xfrm>
+          <a:off x="0" y="0"/>
+          <a:ext cx="0" cy="0"/>
+          <a:chOff x="0" y="0"/>
+          <a:chExt cx="0" cy="0"/>
+        </a:xfrm>
+      </p:grpSpPr>
+      <p:sp>
+        <p:nvSpPr>
+          <p:cNvPr id="2" name="Title 1"/>
+          <p:cNvSpPr>
+            <a:spLocks noGrp="1"/>
+          </p:cNvSpPr>
+          <p:nvPr>
+            <p:ph type="title"/>
+          </p:nvPr>
+        </p:nvSpPr>
+        <p:spPr/>
+        <p:txBody>
+          <a:bodyPr/>
+          <a:lstStyle/>
+          <a:p>
+            <a:r>
+              <a:rPr lang="en-IE" dirty="0" err="1" smtClean="0"/>
+              <a:t>Jquery</a:t>
+            </a:r>
+            <a:r>
+              <a:rPr lang="en-IE" dirty="0" smtClean="0"/>
+              <a:t> plugins</a:t>
+            </a:r>
+            <a:endParaRPr lang="en-IE" dirty="0"/>
+          </a:p>
+        </p:txBody>
+      </p:sp>
+      <p:sp>
+        <p:nvSpPr>
+          <p:cNvPr id="3" name="Content Placeholder 2"/>
+          <p:cNvSpPr>
+            <a:spLocks noGrp="1"/>
+          </p:cNvSpPr>
+          <p:nvPr>
+            <p:ph idx="1"/>
+          </p:nvPr>
+        </p:nvSpPr>
+        <p:spPr/>
+        <p:txBody>
+          <a:bodyPr/>
+          <a:lstStyle/>
+          <a:p>
+            <a:r>
+              <a:rPr lang="en-US" dirty="0"/>
+              <a:t>jQuery plugins build on the capabilities of the jQuery </a:t>
+            </a:r>
+            <a:r>
+              <a:rPr lang="en-US" dirty="0" smtClean="0"/>
+              <a:t>library</a:t>
+            </a:r>
+          </a:p>
+          <a:p>
+            <a:r>
+              <a:rPr lang="en-US" dirty="0"/>
+              <a:t>You can also find more examples on the jQuery plugin </a:t>
+            </a:r>
+            <a:r>
+              <a:rPr lang="en-US" dirty="0" smtClean="0"/>
+              <a:t>registry:</a:t>
+            </a:r>
+            <a:endParaRPr lang="en-US" dirty="0"/>
+          </a:p>
+          <a:p>
+            <a:pPr lvl="1"/>
+            <a:r>
+              <a:rPr lang="en-US" dirty="0">
+                <a:hlinkClick r:id="rId2"/>
+              </a:rPr>
+              <a:t>https://plugins.jquery.com/</a:t>
+            </a:r>
+            <a:endParaRPr lang="en-US" dirty="0"/>
+          </a:p>
+          <a:p>
+            <a:pPr marL="0" indent="0">
+              <a:buNone/>
+            </a:pPr>
+            <a:endParaRPr lang="en-IE" dirty="0"/>
+          </a:p>
+        </p:txBody>
+      </p:sp>
+    </p:spTree>
+    <p:extLst>
+      <p:ext uri="{BB962C8B-B14F-4D97-AF65-F5344CB8AC3E}">
+        <p14:creationId xmlns:p14="http://schemas.microsoft.com/office/powerpoint/2010/main" val="1794782716"/>
+      </p:ext>
+    </p:extLst>
+  </p:cSld>
+  <p:clrMapOvr>
+    <a:masterClrMapping/>
+  </p:clrMapOvr>
+  <p:timing>
+    <p:tnLst>
+      <p:par>
+        <p:cTn id="1" dur="indefinite" restart="never" nodeType="tmRoot"/>
+      </p:par>
+    </p:tnLst>
+  </p:timing>
+</p:sld>
+</file>
+
+<file path=ppt/slides/slide13.xml><?xml version="1.0" encoding="utf-8"?>
+<p:sld xmlns:a="http://schemas.openxmlformats.org/drawingml/2006/main" xmlns:r="http://schemas.openxmlformats.org/officeDocument/2006/relationships" xmlns:p="http://schemas.openxmlformats.org/presentationml/2006/main">
+  <p:cSld>
+    <p:spTree>
+      <p:nvGrpSpPr>
+        <p:cNvPr id="1" name=""/>
+        <p:cNvGrpSpPr/>
+        <p:nvPr/>
+      </p:nvGrpSpPr>
+      <p:grpSpPr>
+        <a:xfrm>
+          <a:off x="0" y="0"/>
+          <a:ext cx="0" cy="0"/>
+          <a:chOff x="0" y="0"/>
+          <a:chExt cx="0" cy="0"/>
+        </a:xfrm>
+      </p:grpSpPr>
+      <p:sp>
+        <p:nvSpPr>
+          <p:cNvPr id="2" name="Title 1"/>
+          <p:cNvSpPr>
+            <a:spLocks noGrp="1"/>
+          </p:cNvSpPr>
+          <p:nvPr>
+            <p:ph type="title"/>
+          </p:nvPr>
+        </p:nvSpPr>
+        <p:spPr/>
+        <p:txBody>
+          <a:bodyPr/>
+          <a:lstStyle/>
+          <a:p>
+            <a:r>
+              <a:rPr lang="en-IE" dirty="0" smtClean="0"/>
+              <a:t>Example: adding a lightbox</a:t>
+            </a:r>
+            <a:endParaRPr lang="en-IE" dirty="0"/>
+          </a:p>
+        </p:txBody>
+      </p:sp>
+      <p:sp>
+        <p:nvSpPr>
+          <p:cNvPr id="3" name="Content Placeholder 2"/>
+          <p:cNvSpPr>
+            <a:spLocks noGrp="1"/>
+          </p:cNvSpPr>
+          <p:nvPr>
+            <p:ph idx="1"/>
+          </p:nvPr>
+        </p:nvSpPr>
+        <p:spPr/>
+        <p:txBody>
+          <a:bodyPr/>
+          <a:lstStyle/>
+          <a:p>
+            <a:r>
+              <a:rPr lang="en-US" dirty="0" smtClean="0"/>
+              <a:t>One </a:t>
+            </a:r>
+            <a:r>
+              <a:rPr lang="en-US" dirty="0"/>
+              <a:t>very popular technique for viewing images is dimming the Web page and displaying the larger image version of the thumbnail as if it were floating on top of the browser window. </a:t>
+            </a:r>
+            <a:endParaRPr lang="en-US" dirty="0" smtClean="0"/>
+          </a:p>
+          <a:p>
+            <a:r>
+              <a:rPr lang="en-US" dirty="0" smtClean="0"/>
+              <a:t>One </a:t>
+            </a:r>
+            <a:r>
+              <a:rPr lang="en-US" dirty="0"/>
+              <a:t>well known version of this method is a JavaScript </a:t>
+            </a:r>
+            <a:r>
+              <a:rPr lang="en-US" dirty="0" smtClean="0"/>
+              <a:t>plugin </a:t>
+            </a:r>
+            <a:r>
+              <a:rPr lang="en-US" dirty="0"/>
+              <a:t>called </a:t>
+            </a:r>
+            <a:r>
+              <a:rPr lang="en-US" dirty="0" smtClean="0"/>
+              <a:t>Lightbox. </a:t>
+            </a:r>
+          </a:p>
+          <a:p>
+            <a:r>
+              <a:rPr lang="en-US" dirty="0" smtClean="0"/>
+              <a:t>Lightbox </a:t>
+            </a:r>
+            <a:r>
+              <a:rPr lang="en-US" dirty="0"/>
+              <a:t>is small </a:t>
+            </a:r>
+            <a:r>
+              <a:rPr lang="en-US" dirty="0" err="1"/>
+              <a:t>javascript</a:t>
+            </a:r>
+            <a:r>
+              <a:rPr lang="en-US" dirty="0"/>
+              <a:t> library used to overlay images on top of the current page.</a:t>
+            </a:r>
+            <a:endParaRPr lang="en-IE" dirty="0"/>
+          </a:p>
+        </p:txBody>
+      </p:sp>
+    </p:spTree>
+    <p:extLst>
+      <p:ext uri="{BB962C8B-B14F-4D97-AF65-F5344CB8AC3E}">
+        <p14:creationId xmlns:p14="http://schemas.microsoft.com/office/powerpoint/2010/main" val="3928324195"/>
+      </p:ext>
+    </p:extLst>
+  </p:cSld>
+  <p:clrMapOvr>
+    <a:masterClrMapping/>
+  </p:clrMapOvr>
+  <p:timing>
+    <p:tnLst>
+      <p:par>
+        <p:cTn id="1" dur="indefinite" restart="never" nodeType="tmRoot"/>
+      </p:par>
+    </p:tnLst>
+  </p:timing>
+</p:sld>
+</file>
+
+<file path=ppt/slides/slide14.xml><?xml version="1.0" encoding="utf-8"?>
+<p:sld xmlns:a="http://schemas.openxmlformats.org/drawingml/2006/main" xmlns:r="http://schemas.openxmlformats.org/officeDocument/2006/relationships" xmlns:p="http://schemas.openxmlformats.org/presentationml/2006/main">
+  <p:cSld>
+    <p:spTree>
+      <p:nvGrpSpPr>
+        <p:cNvPr id="1" name=""/>
+        <p:cNvGrpSpPr/>
+        <p:nvPr/>
+      </p:nvGrpSpPr>
+      <p:grpSpPr>
+        <a:xfrm>
+          <a:off x="0" y="0"/>
+          <a:ext cx="0" cy="0"/>
+          <a:chOff x="0" y="0"/>
+          <a:chExt cx="0" cy="0"/>
+        </a:xfrm>
+      </p:grpSpPr>
+      <p:sp>
+        <p:nvSpPr>
+          <p:cNvPr id="2" name="Title 1"/>
+          <p:cNvSpPr>
+            <a:spLocks noGrp="1"/>
+          </p:cNvSpPr>
+          <p:nvPr>
+            <p:ph type="title"/>
+          </p:nvPr>
+        </p:nvSpPr>
+        <p:spPr/>
+        <p:txBody>
+          <a:bodyPr>
+            <a:normAutofit fontScale="90000"/>
+          </a:bodyPr>
+          <a:lstStyle/>
+          <a:p>
+            <a:r>
+              <a:rPr lang="en-IE" dirty="0" smtClean="0"/>
+              <a:t>Example: </a:t>
+            </a:r>
+            <a:r>
+              <a:rPr lang="en-US" dirty="0"/>
+              <a:t>Setting the </a:t>
+            </a:r>
+            <a:r>
+              <a:rPr lang="en-US" dirty="0" err="1"/>
+              <a:t>LightBox</a:t>
+            </a:r>
+            <a:r>
+              <a:rPr lang="en-US" dirty="0"/>
+              <a:t> up</a:t>
+            </a:r>
+            <a:r>
+              <a:rPr lang="en-US" b="1" dirty="0"/>
+              <a:t/>
+            </a:r>
+            <a:br>
+              <a:rPr lang="en-US" b="1" dirty="0"/>
+            </a:br>
+            <a:endParaRPr lang="en-IE" dirty="0"/>
+          </a:p>
+        </p:txBody>
+      </p:sp>
+      <p:sp>
+        <p:nvSpPr>
+          <p:cNvPr id="3" name="Content Placeholder 2"/>
+          <p:cNvSpPr>
+            <a:spLocks noGrp="1"/>
+          </p:cNvSpPr>
+          <p:nvPr>
+            <p:ph idx="1"/>
+          </p:nvPr>
+        </p:nvSpPr>
+        <p:spPr/>
+        <p:txBody>
+          <a:bodyPr>
+            <a:normAutofit/>
+          </a:bodyPr>
+          <a:lstStyle/>
+          <a:p>
+            <a:r>
+              <a:rPr lang="en-US" dirty="0" smtClean="0"/>
+              <a:t>In </a:t>
+            </a:r>
+            <a:r>
+              <a:rPr lang="en-US" dirty="0"/>
+              <a:t>the &lt;head&gt; of the document, before the other &lt;link&gt; tag, we will add: </a:t>
+            </a:r>
+            <a:r>
+              <a:rPr lang="en-US" b="1" dirty="0"/>
+              <a:t>&lt;link </a:t>
+            </a:r>
+            <a:r>
+              <a:rPr lang="en-US" b="1" dirty="0" err="1"/>
+              <a:t>href</a:t>
+            </a:r>
+            <a:r>
+              <a:rPr lang="en-US" b="1" dirty="0"/>
+              <a:t>="</a:t>
+            </a:r>
+            <a:r>
+              <a:rPr lang="en-US" b="1" dirty="0" err="1"/>
+              <a:t>css</a:t>
+            </a:r>
+            <a:r>
+              <a:rPr lang="en-US" b="1" dirty="0"/>
+              <a:t>/lightbox.css" </a:t>
+            </a:r>
+            <a:r>
+              <a:rPr lang="en-US" b="1" dirty="0" err="1"/>
+              <a:t>rel</a:t>
+            </a:r>
+            <a:r>
+              <a:rPr lang="en-US" b="1" dirty="0"/>
+              <a:t>="stylesheet"&gt;. </a:t>
+            </a:r>
+            <a:r>
+              <a:rPr lang="en-US" dirty="0"/>
+              <a:t>This file contains all of the styles used to format the background that lies over the Web page, the pop up image, and the photo caption text.</a:t>
+            </a:r>
+          </a:p>
+          <a:p>
+            <a:r>
+              <a:rPr lang="en-US" dirty="0"/>
+              <a:t>We will attach the Lightbox plugin JavaScript file immediately after the &lt;script&gt; tag that attaches the </a:t>
+            </a:r>
+            <a:r>
+              <a:rPr lang="en-US" dirty="0" err="1"/>
+              <a:t>jquery</a:t>
+            </a:r>
+            <a:r>
+              <a:rPr lang="en-US" dirty="0"/>
+              <a:t> file. </a:t>
+            </a:r>
+            <a:r>
+              <a:rPr lang="en-US" dirty="0" smtClean="0"/>
+              <a:t>                           </a:t>
+            </a:r>
+          </a:p>
+          <a:p>
+            <a:pPr marL="225425" indent="0">
+              <a:buNone/>
+            </a:pPr>
+            <a:r>
+              <a:rPr lang="en-US" b="1" dirty="0" smtClean="0"/>
+              <a:t>&lt;</a:t>
+            </a:r>
+            <a:r>
+              <a:rPr lang="en-US" b="1" dirty="0"/>
+              <a:t>script </a:t>
+            </a:r>
+            <a:r>
+              <a:rPr lang="en-US" b="1" dirty="0" err="1"/>
+              <a:t>src</a:t>
+            </a:r>
+            <a:r>
+              <a:rPr lang="en-US" b="1" dirty="0"/>
+              <a:t>="</a:t>
+            </a:r>
+            <a:r>
+              <a:rPr lang="en-US" b="1" dirty="0" err="1"/>
+              <a:t>js</a:t>
+            </a:r>
+            <a:r>
+              <a:rPr lang="en-US" b="1" dirty="0"/>
+              <a:t>/lightbox.min.js"&gt;&lt;/script&gt;</a:t>
+            </a:r>
+          </a:p>
+          <a:p>
+            <a:r>
+              <a:rPr lang="en-US" dirty="0"/>
+              <a:t>Look inside the images folder to find </a:t>
+            </a:r>
+            <a:r>
+              <a:rPr lang="en-US" i="1" dirty="0"/>
+              <a:t>close.png, loading.gif, prev.png</a:t>
+            </a:r>
+            <a:r>
+              <a:rPr lang="en-US" dirty="0"/>
+              <a:t>, and </a:t>
+            </a:r>
+            <a:r>
+              <a:rPr lang="en-US" i="1" dirty="0"/>
+              <a:t>next.png.</a:t>
+            </a:r>
+            <a:r>
+              <a:rPr lang="en-US" dirty="0"/>
+              <a:t> These files are used in lightbox.css</a:t>
+            </a:r>
+            <a:r>
+              <a:rPr lang="en-US" dirty="0" smtClean="0"/>
+              <a:t>.</a:t>
+            </a:r>
+            <a:endParaRPr lang="en-US" dirty="0"/>
+          </a:p>
+        </p:txBody>
+      </p:sp>
+    </p:spTree>
+    <p:extLst>
+      <p:ext uri="{BB962C8B-B14F-4D97-AF65-F5344CB8AC3E}">
+        <p14:creationId xmlns:p14="http://schemas.microsoft.com/office/powerpoint/2010/main" val="1877189473"/>
+      </p:ext>
+    </p:extLst>
+  </p:cSld>
+  <p:clrMapOvr>
+    <a:masterClrMapping/>
+  </p:clrMapOvr>
+  <p:timing>
+    <p:tnLst>
+      <p:par>
+        <p:cTn id="1" dur="indefinite" restart="never" nodeType="tmRoot"/>
+      </p:par>
+    </p:tnLst>
+  </p:timing>
 </p:sld>
 </file>
 
@@ -8684,404 +8748,6 @@
         </p:nvSpPr>
         <p:spPr/>
         <p:txBody>
-          <a:bodyPr/>
-          <a:lstStyle/>
-          <a:p>
-            <a:r>
-              <a:rPr lang="en-IE" dirty="0" err="1" smtClean="0"/>
-              <a:t>Jquery</a:t>
-            </a:r>
-            <a:r>
-              <a:rPr lang="en-IE" dirty="0" smtClean="0"/>
-              <a:t> plugins</a:t>
-            </a:r>
-            <a:endParaRPr lang="en-IE" dirty="0"/>
-          </a:p>
-        </p:txBody>
-      </p:sp>
-      <p:sp>
-        <p:nvSpPr>
-          <p:cNvPr id="3" name="Content Placeholder 2"/>
-          <p:cNvSpPr>
-            <a:spLocks noGrp="1"/>
-          </p:cNvSpPr>
-          <p:nvPr>
-            <p:ph idx="1"/>
-          </p:nvPr>
-        </p:nvSpPr>
-        <p:spPr/>
-        <p:txBody>
-          <a:bodyPr/>
-          <a:lstStyle/>
-          <a:p>
-            <a:r>
-              <a:rPr lang="en-US" dirty="0"/>
-              <a:t>jQuery plugins build on the capabilities of the jQuery </a:t>
-            </a:r>
-            <a:r>
-              <a:rPr lang="en-US" dirty="0" smtClean="0"/>
-              <a:t>library</a:t>
-            </a:r>
-          </a:p>
-          <a:p>
-            <a:r>
-              <a:rPr lang="en-US" dirty="0"/>
-              <a:t>You can also find more examples on the jQuery plugin </a:t>
-            </a:r>
-            <a:r>
-              <a:rPr lang="en-US" dirty="0" smtClean="0"/>
-              <a:t>registry:</a:t>
-            </a:r>
-            <a:endParaRPr lang="en-US" dirty="0"/>
-          </a:p>
-          <a:p>
-            <a:pPr lvl="1"/>
-            <a:r>
-              <a:rPr lang="en-US" dirty="0">
-                <a:hlinkClick r:id="rId2"/>
-              </a:rPr>
-              <a:t>https://plugins.jquery.com/</a:t>
-            </a:r>
-            <a:endParaRPr lang="en-US" dirty="0"/>
-          </a:p>
-          <a:p>
-            <a:pPr marL="0" indent="0">
-              <a:buNone/>
-            </a:pPr>
-            <a:endParaRPr lang="en-IE" dirty="0"/>
-          </a:p>
-        </p:txBody>
-      </p:sp>
-    </p:spTree>
-    <p:extLst>
-      <p:ext uri="{BB962C8B-B14F-4D97-AF65-F5344CB8AC3E}">
-        <p14:creationId xmlns:p14="http://schemas.microsoft.com/office/powerpoint/2010/main" val="1794782716"/>
-      </p:ext>
-    </p:extLst>
-  </p:cSld>
-  <p:clrMapOvr>
-    <a:masterClrMapping/>
-  </p:clrMapOvr>
-</p:sld>
-</file>
-
-<file path=ppt/slides/slide16.xml><?xml version="1.0" encoding="utf-8"?>
-<p:sld xmlns:a="http://schemas.openxmlformats.org/drawingml/2006/main" xmlns:r="http://schemas.openxmlformats.org/officeDocument/2006/relationships" xmlns:p="http://schemas.openxmlformats.org/presentationml/2006/main">
-  <p:cSld>
-    <p:spTree>
-      <p:nvGrpSpPr>
-        <p:cNvPr id="1" name=""/>
-        <p:cNvGrpSpPr/>
-        <p:nvPr/>
-      </p:nvGrpSpPr>
-      <p:grpSpPr>
-        <a:xfrm>
-          <a:off x="0" y="0"/>
-          <a:ext cx="0" cy="0"/>
-          <a:chOff x="0" y="0"/>
-          <a:chExt cx="0" cy="0"/>
-        </a:xfrm>
-      </p:grpSpPr>
-      <p:sp>
-        <p:nvSpPr>
-          <p:cNvPr id="2" name="Title 1"/>
-          <p:cNvSpPr>
-            <a:spLocks noGrp="1"/>
-          </p:cNvSpPr>
-          <p:nvPr>
-            <p:ph type="title"/>
-          </p:nvPr>
-        </p:nvSpPr>
-        <p:spPr/>
-        <p:txBody>
-          <a:bodyPr/>
-          <a:lstStyle/>
-          <a:p>
-            <a:r>
-              <a:rPr lang="en-IE" dirty="0" smtClean="0"/>
-              <a:t>Example: adding a lightbox</a:t>
-            </a:r>
-            <a:endParaRPr lang="en-IE" dirty="0"/>
-          </a:p>
-        </p:txBody>
-      </p:sp>
-      <p:sp>
-        <p:nvSpPr>
-          <p:cNvPr id="3" name="Content Placeholder 2"/>
-          <p:cNvSpPr>
-            <a:spLocks noGrp="1"/>
-          </p:cNvSpPr>
-          <p:nvPr>
-            <p:ph idx="1"/>
-          </p:nvPr>
-        </p:nvSpPr>
-        <p:spPr/>
-        <p:txBody>
-          <a:bodyPr/>
-          <a:lstStyle/>
-          <a:p>
-            <a:r>
-              <a:rPr lang="en-US" dirty="0" smtClean="0"/>
-              <a:t>One </a:t>
-            </a:r>
-            <a:r>
-              <a:rPr lang="en-US" dirty="0"/>
-              <a:t>very popular technique for viewing images is dimming the Web page and displaying the larger image version of the thumbnail as if it were floating on top of the browser window. </a:t>
-            </a:r>
-            <a:endParaRPr lang="en-US" dirty="0" smtClean="0"/>
-          </a:p>
-          <a:p>
-            <a:r>
-              <a:rPr lang="en-US" dirty="0" smtClean="0"/>
-              <a:t>One </a:t>
-            </a:r>
-            <a:r>
-              <a:rPr lang="en-US" dirty="0"/>
-              <a:t>well known version of this method is a JavaScript </a:t>
-            </a:r>
-            <a:r>
-              <a:rPr lang="en-US" dirty="0" smtClean="0"/>
-              <a:t>plugin </a:t>
-            </a:r>
-            <a:r>
-              <a:rPr lang="en-US" dirty="0"/>
-              <a:t>called </a:t>
-            </a:r>
-            <a:r>
-              <a:rPr lang="en-US" dirty="0" smtClean="0"/>
-              <a:t>Lightbox. </a:t>
-            </a:r>
-          </a:p>
-          <a:p>
-            <a:r>
-              <a:rPr lang="en-US" dirty="0" smtClean="0"/>
-              <a:t>Lightbox </a:t>
-            </a:r>
-            <a:r>
-              <a:rPr lang="en-US" dirty="0"/>
-              <a:t>is small </a:t>
-            </a:r>
-            <a:r>
-              <a:rPr lang="en-US" dirty="0" err="1"/>
-              <a:t>javascript</a:t>
-            </a:r>
-            <a:r>
-              <a:rPr lang="en-US" dirty="0"/>
-              <a:t> library used to overlay images on top of the current page.</a:t>
-            </a:r>
-            <a:endParaRPr lang="en-IE" dirty="0"/>
-          </a:p>
-        </p:txBody>
-      </p:sp>
-    </p:spTree>
-    <p:extLst>
-      <p:ext uri="{BB962C8B-B14F-4D97-AF65-F5344CB8AC3E}">
-        <p14:creationId xmlns:p14="http://schemas.microsoft.com/office/powerpoint/2010/main" val="3928324195"/>
-      </p:ext>
-    </p:extLst>
-  </p:cSld>
-  <p:clrMapOvr>
-    <a:masterClrMapping/>
-  </p:clrMapOvr>
-</p:sld>
-</file>
-
-<file path=ppt/slides/slide17.xml><?xml version="1.0" encoding="utf-8"?>
-<p:sld xmlns:a="http://schemas.openxmlformats.org/drawingml/2006/main" xmlns:r="http://schemas.openxmlformats.org/officeDocument/2006/relationships" xmlns:p="http://schemas.openxmlformats.org/presentationml/2006/main">
-  <p:cSld>
-    <p:spTree>
-      <p:nvGrpSpPr>
-        <p:cNvPr id="1" name=""/>
-        <p:cNvGrpSpPr/>
-        <p:nvPr/>
-      </p:nvGrpSpPr>
-      <p:grpSpPr>
-        <a:xfrm>
-          <a:off x="0" y="0"/>
-          <a:ext cx="0" cy="0"/>
-          <a:chOff x="0" y="0"/>
-          <a:chExt cx="0" cy="0"/>
-        </a:xfrm>
-      </p:grpSpPr>
-      <p:sp>
-        <p:nvSpPr>
-          <p:cNvPr id="2" name="Title 1"/>
-          <p:cNvSpPr>
-            <a:spLocks noGrp="1"/>
-          </p:cNvSpPr>
-          <p:nvPr>
-            <p:ph type="title"/>
-          </p:nvPr>
-        </p:nvSpPr>
-        <p:spPr/>
-        <p:txBody>
-          <a:bodyPr>
-            <a:normAutofit fontScale="90000"/>
-          </a:bodyPr>
-          <a:lstStyle/>
-          <a:p>
-            <a:r>
-              <a:rPr lang="en-IE" dirty="0" smtClean="0"/>
-              <a:t>Example: </a:t>
-            </a:r>
-            <a:r>
-              <a:rPr lang="en-US" dirty="0"/>
-              <a:t>Setting the </a:t>
-            </a:r>
-            <a:r>
-              <a:rPr lang="en-US" dirty="0" err="1"/>
-              <a:t>LightBox</a:t>
-            </a:r>
-            <a:r>
-              <a:rPr lang="en-US" dirty="0"/>
-              <a:t> up</a:t>
-            </a:r>
-            <a:r>
-              <a:rPr lang="en-US" b="1" dirty="0"/>
-              <a:t/>
-            </a:r>
-            <a:br>
-              <a:rPr lang="en-US" b="1" dirty="0"/>
-            </a:br>
-            <a:endParaRPr lang="en-IE" dirty="0"/>
-          </a:p>
-        </p:txBody>
-      </p:sp>
-      <p:sp>
-        <p:nvSpPr>
-          <p:cNvPr id="3" name="Content Placeholder 2"/>
-          <p:cNvSpPr>
-            <a:spLocks noGrp="1"/>
-          </p:cNvSpPr>
-          <p:nvPr>
-            <p:ph idx="1"/>
-          </p:nvPr>
-        </p:nvSpPr>
-        <p:spPr/>
-        <p:txBody>
-          <a:bodyPr>
-            <a:normAutofit/>
-          </a:bodyPr>
-          <a:lstStyle/>
-          <a:p>
-            <a:r>
-              <a:rPr lang="en-US" dirty="0" smtClean="0"/>
-              <a:t>In </a:t>
-            </a:r>
-            <a:r>
-              <a:rPr lang="en-US" dirty="0"/>
-              <a:t>the &lt;head&gt; of the document, before the other &lt;link&gt; tag, we will add: &lt;link </a:t>
-            </a:r>
-            <a:r>
-              <a:rPr lang="en-US" dirty="0" err="1"/>
-              <a:t>href</a:t>
-            </a:r>
-            <a:r>
-              <a:rPr lang="en-US" dirty="0"/>
-              <a:t>="</a:t>
-            </a:r>
-            <a:r>
-              <a:rPr lang="en-US" dirty="0" err="1"/>
-              <a:t>css</a:t>
-            </a:r>
-            <a:r>
-              <a:rPr lang="en-US" dirty="0"/>
-              <a:t>/lightbox.css" </a:t>
-            </a:r>
-            <a:r>
-              <a:rPr lang="en-US" dirty="0" err="1"/>
-              <a:t>rel</a:t>
-            </a:r>
-            <a:r>
-              <a:rPr lang="en-US" dirty="0"/>
-              <a:t>="stylesheet"&gt;. This file contains all of the styles used to format the background that lies over the Web page, the pop up image, and the photo caption text.</a:t>
-            </a:r>
-          </a:p>
-          <a:p>
-            <a:r>
-              <a:rPr lang="en-US" dirty="0"/>
-              <a:t>We will attach the Lightbox plugin JavaScript file immediately after the &lt;script&gt; tag that attaches the </a:t>
-            </a:r>
-            <a:r>
-              <a:rPr lang="en-US" dirty="0" err="1"/>
-              <a:t>jquery</a:t>
-            </a:r>
-            <a:r>
-              <a:rPr lang="en-US" dirty="0"/>
-              <a:t> file. &lt;script </a:t>
-            </a:r>
-            <a:r>
-              <a:rPr lang="en-US" dirty="0" err="1"/>
-              <a:t>src</a:t>
-            </a:r>
-            <a:r>
-              <a:rPr lang="en-US" dirty="0"/>
-              <a:t>="</a:t>
-            </a:r>
-            <a:r>
-              <a:rPr lang="en-US" dirty="0" err="1"/>
-              <a:t>js</a:t>
-            </a:r>
-            <a:r>
-              <a:rPr lang="en-US" dirty="0"/>
-              <a:t>/lightbox.min.js"&gt;&lt;/script&gt;</a:t>
-            </a:r>
-          </a:p>
-          <a:p>
-            <a:r>
-              <a:rPr lang="en-US" dirty="0"/>
-              <a:t>Look inside the images folder to find close.png, loading.gif, prev.png, and next.png. These files are used in lightbox.css</a:t>
-            </a:r>
-            <a:r>
-              <a:rPr lang="en-US" dirty="0" smtClean="0"/>
-              <a:t>.</a:t>
-            </a:r>
-            <a:endParaRPr lang="en-US" dirty="0"/>
-          </a:p>
-        </p:txBody>
-      </p:sp>
-    </p:spTree>
-    <p:extLst>
-      <p:ext uri="{BB962C8B-B14F-4D97-AF65-F5344CB8AC3E}">
-        <p14:creationId xmlns:p14="http://schemas.microsoft.com/office/powerpoint/2010/main" val="1877189473"/>
-      </p:ext>
-    </p:extLst>
-  </p:cSld>
-  <p:clrMapOvr>
-    <a:masterClrMapping/>
-  </p:clrMapOvr>
-</p:sld>
-</file>
-
-<file path=ppt/slides/slide18.xml><?xml version="1.0" encoding="utf-8"?>
-<p:sld xmlns:a="http://schemas.openxmlformats.org/drawingml/2006/main" xmlns:r="http://schemas.openxmlformats.org/officeDocument/2006/relationships" xmlns:p="http://schemas.openxmlformats.org/presentationml/2006/main">
-  <p:cSld>
-    <p:spTree>
-      <p:nvGrpSpPr>
-        <p:cNvPr id="1" name=""/>
-        <p:cNvGrpSpPr/>
-        <p:nvPr/>
-      </p:nvGrpSpPr>
-      <p:grpSpPr>
-        <a:xfrm>
-          <a:off x="0" y="0"/>
-          <a:ext cx="0" cy="0"/>
-          <a:chOff x="0" y="0"/>
-          <a:chExt cx="0" cy="0"/>
-        </a:xfrm>
-      </p:grpSpPr>
-      <p:sp>
-        <p:nvSpPr>
-          <p:cNvPr id="2" name="Title 1"/>
-          <p:cNvSpPr>
-            <a:spLocks noGrp="1"/>
-          </p:cNvSpPr>
-          <p:nvPr>
-            <p:ph type="title"/>
-          </p:nvPr>
-        </p:nvSpPr>
-        <p:spPr/>
-        <p:txBody>
           <a:bodyPr>
             <a:normAutofit fontScale="90000"/>
           </a:bodyPr>
@@ -9136,7 +8802,15 @@
             </a:r>
             <a:r>
               <a:rPr lang="en-US" dirty="0"/>
-              <a:t>a data-lightbox attribute to any image link to activate Lightbox. </a:t>
+              <a:t>a</a:t>
+            </a:r>
+            <a:r>
+              <a:rPr lang="en-US" b="1" dirty="0"/>
+              <a:t> data-lightbox </a:t>
+            </a:r>
+            <a:r>
+              <a:rPr lang="en-US" dirty="0"/>
+              <a:t>attribute to any image link to activate Lightbox. </a:t>
             </a:r>
             <a:endParaRPr lang="en-US" dirty="0" smtClean="0"/>
           </a:p>
@@ -9173,7 +8847,15 @@
           <a:p>
             <a:r>
               <a:rPr lang="en-US" dirty="0"/>
-              <a:t>Optional: Set the data-title attribute if you want to show a caption.</a:t>
+              <a:t>Optional: Set the </a:t>
+            </a:r>
+            <a:r>
+              <a:rPr lang="en-US" b="1" dirty="0"/>
+              <a:t>data-title</a:t>
+            </a:r>
+            <a:r>
+              <a:rPr lang="en-US" dirty="0"/>
+              <a:t> attribute if you want to show a caption.</a:t>
             </a:r>
           </a:p>
           <a:p>
@@ -9254,7 +8936,7 @@
 </p:sld>
 </file>
 
-<file path=ppt/slides/slide19.xml><?xml version="1.0" encoding="utf-8"?>
+<file path=ppt/slides/slide16.xml><?xml version="1.0" encoding="utf-8"?>
 <p:sld xmlns:a="http://schemas.openxmlformats.org/drawingml/2006/main" xmlns:r="http://schemas.openxmlformats.org/officeDocument/2006/relationships" xmlns:p="http://schemas.openxmlformats.org/presentationml/2006/main">
   <p:cSld>
     <p:spTree>
@@ -9288,15 +8970,7 @@
           <a:p>
             <a:r>
               <a:rPr lang="en-IE" dirty="0" smtClean="0"/>
-              <a:t>Example: edit lightbox </a:t>
-            </a:r>
-            <a:r>
-              <a:rPr lang="en-IE" dirty="0" err="1" smtClean="0"/>
-              <a:t>css</a:t>
-            </a:r>
-            <a:r>
-              <a:rPr lang="en-IE" dirty="0" smtClean="0"/>
-              <a:t> properties</a:t>
+              <a:t>lightbox options</a:t>
             </a:r>
             <a:endParaRPr lang="en-IE" dirty="0"/>
           </a:p>
@@ -9318,60 +8992,251 @@
           <a:lstStyle/>
           <a:p>
             <a:r>
-              <a:rPr lang="en-US" b="1" dirty="0"/>
-              <a:t>Changing the </a:t>
-            </a:r>
-            <a:r>
-              <a:rPr lang="en-US" b="1" dirty="0" err="1"/>
+              <a:rPr lang="en-US" dirty="0" smtClean="0"/>
+              <a:t>You can make changes by adjusting the </a:t>
+            </a:r>
+            <a:r>
+              <a:rPr lang="en-US" dirty="0" err="1"/>
               <a:t>LightBox</a:t>
             </a:r>
             <a:r>
-              <a:rPr lang="en-US" b="1" dirty="0"/>
-              <a:t> CSS property values</a:t>
-            </a:r>
-          </a:p>
-          <a:p>
-            <a:r>
               <a:rPr lang="en-US" dirty="0"/>
-              <a:t>To use a different pointers/buttons/arrows, change the background property in the (lightbox.css file) to the following for </a:t>
+              <a:t> CSS property </a:t>
+            </a:r>
+            <a:r>
+              <a:rPr lang="en-US" dirty="0" smtClean="0"/>
+              <a:t>values and by changing the images used.</a:t>
+            </a:r>
+          </a:p>
+          <a:p>
+            <a:r>
+              <a:rPr lang="en-US" dirty="0" smtClean="0"/>
+              <a:t>You </a:t>
+            </a:r>
+            <a:r>
+              <a:rPr lang="en-US" dirty="0"/>
+              <a:t>can also make changes by </a:t>
+            </a:r>
+            <a:r>
+              <a:rPr lang="en-US" dirty="0" smtClean="0"/>
+              <a:t>adding JavaScript code to adjust fade speeds, </a:t>
+            </a:r>
+            <a:r>
+              <a:rPr lang="en-US" dirty="0" err="1" smtClean="0"/>
+              <a:t>etc</a:t>
+            </a:r>
+            <a:r>
+              <a:rPr lang="en-US" dirty="0" smtClean="0"/>
+              <a:t>…</a:t>
+            </a:r>
+            <a:endParaRPr lang="en-US" dirty="0"/>
+          </a:p>
+          <a:p>
+            <a:endParaRPr lang="en-IE" dirty="0"/>
+          </a:p>
+        </p:txBody>
+      </p:sp>
+    </p:spTree>
+    <p:extLst>
+      <p:ext uri="{BB962C8B-B14F-4D97-AF65-F5344CB8AC3E}">
+        <p14:creationId xmlns:p14="http://schemas.microsoft.com/office/powerpoint/2010/main" val="3470569547"/>
+      </p:ext>
+    </p:extLst>
+  </p:cSld>
+  <p:clrMapOvr>
+    <a:masterClrMapping/>
+  </p:clrMapOvr>
+</p:sld>
+</file>
+
+<file path=ppt/slides/slide17.xml><?xml version="1.0" encoding="utf-8"?>
+<p:sld xmlns:a="http://schemas.openxmlformats.org/drawingml/2006/main" xmlns:r="http://schemas.openxmlformats.org/officeDocument/2006/relationships" xmlns:p="http://schemas.openxmlformats.org/presentationml/2006/main">
+  <p:cSld>
+    <p:spTree>
+      <p:nvGrpSpPr>
+        <p:cNvPr id="1" name=""/>
+        <p:cNvGrpSpPr/>
+        <p:nvPr/>
+      </p:nvGrpSpPr>
+      <p:grpSpPr>
+        <a:xfrm>
+          <a:off x="0" y="0"/>
+          <a:ext cx="0" cy="0"/>
+          <a:chOff x="0" y="0"/>
+          <a:chExt cx="0" cy="0"/>
+        </a:xfrm>
+      </p:grpSpPr>
+      <p:sp>
+        <p:nvSpPr>
+          <p:cNvPr id="2" name="Title 1"/>
+          <p:cNvSpPr>
+            <a:spLocks noGrp="1"/>
+          </p:cNvSpPr>
+          <p:nvPr>
+            <p:ph type="title"/>
+          </p:nvPr>
+        </p:nvSpPr>
+        <p:spPr/>
+        <p:txBody>
+          <a:bodyPr/>
+          <a:lstStyle/>
+          <a:p>
+            <a:r>
+              <a:rPr lang="en-US" dirty="0" smtClean="0"/>
+              <a:t>Date picker</a:t>
+            </a:r>
+            <a:endParaRPr lang="en-US" dirty="0"/>
+          </a:p>
+        </p:txBody>
+      </p:sp>
+      <p:sp>
+        <p:nvSpPr>
+          <p:cNvPr id="3" name="Content Placeholder 2"/>
+          <p:cNvSpPr>
+            <a:spLocks noGrp="1"/>
+          </p:cNvSpPr>
+          <p:nvPr>
+            <p:ph idx="1"/>
+          </p:nvPr>
+        </p:nvSpPr>
+        <p:spPr/>
+        <p:txBody>
+          <a:bodyPr/>
+          <a:lstStyle/>
+          <a:p>
+            <a:r>
+              <a:rPr lang="en-US" dirty="0"/>
+              <a:t>To aid the user adding a date, we </a:t>
+            </a:r>
+            <a:r>
+              <a:rPr lang="en-US" dirty="0" smtClean="0"/>
+              <a:t>can add </a:t>
+            </a:r>
+            <a:r>
+              <a:rPr lang="en-US" dirty="0"/>
+              <a:t>a date picker. For this we will use the </a:t>
             </a:r>
             <a:r>
               <a:rPr lang="en-US" dirty="0" err="1"/>
-              <a:t>prev</a:t>
+              <a:t>BootStrap</a:t>
             </a:r>
             <a:r>
               <a:rPr lang="en-US" dirty="0"/>
-              <a:t> (.</a:t>
+              <a:t> </a:t>
             </a:r>
             <a:r>
               <a:rPr lang="en-US" dirty="0" err="1"/>
-              <a:t>lb-nav</a:t>
+              <a:t>datepicker</a:t>
             </a:r>
             <a:r>
               <a:rPr lang="en-US" dirty="0"/>
-              <a:t> a.lb-</a:t>
-            </a:r>
+              <a:t> and call it using jQuery.</a:t>
+            </a:r>
+          </a:p>
+          <a:p>
+            <a:r>
+              <a:rPr lang="en-US" dirty="0"/>
+              <a:t>You will need the following files</a:t>
+            </a:r>
+            <a:r>
+              <a:rPr lang="en-US" dirty="0" smtClean="0"/>
+              <a:t>:</a:t>
+            </a:r>
+          </a:p>
+          <a:p>
+            <a:pPr lvl="1"/>
             <a:r>
               <a:rPr lang="en-US" dirty="0" err="1"/>
-              <a:t>prev</a:t>
+              <a:t>css:css</a:t>
             </a:r>
             <a:r>
               <a:rPr lang="en-US" dirty="0"/>
-              <a:t>):</a:t>
-            </a:r>
-          </a:p>
-          <a:p>
-            <a:endParaRPr lang="en-IE" dirty="0"/>
+              <a:t>/bootstrap-datepicker.min.css</a:t>
+            </a:r>
+          </a:p>
+          <a:p>
+            <a:pPr lvl="1"/>
+            <a:r>
+              <a:rPr lang="en-US" dirty="0" err="1"/>
+              <a:t>js:js</a:t>
+            </a:r>
+            <a:r>
+              <a:rPr lang="en-US" dirty="0"/>
+              <a:t>/bootstrap-datepicker.min.js</a:t>
+            </a:r>
+          </a:p>
+          <a:p>
+            <a:pPr marL="0" indent="0">
+              <a:buNone/>
+            </a:pPr>
+            <a:endParaRPr lang="en-US" dirty="0"/>
+          </a:p>
+          <a:p>
+            <a:endParaRPr lang="en-US" dirty="0"/>
+          </a:p>
+        </p:txBody>
+      </p:sp>
+    </p:spTree>
+    <p:extLst>
+      <p:ext uri="{BB962C8B-B14F-4D97-AF65-F5344CB8AC3E}">
+        <p14:creationId xmlns:p14="http://schemas.microsoft.com/office/powerpoint/2010/main" val="3908707359"/>
+      </p:ext>
+    </p:extLst>
+  </p:cSld>
+  <p:clrMapOvr>
+    <a:masterClrMapping/>
+  </p:clrMapOvr>
+</p:sld>
+</file>
+
+<file path=ppt/slides/slide18.xml><?xml version="1.0" encoding="utf-8"?>
+<p:sld xmlns:a="http://schemas.openxmlformats.org/drawingml/2006/main" xmlns:r="http://schemas.openxmlformats.org/officeDocument/2006/relationships" xmlns:p="http://schemas.openxmlformats.org/presentationml/2006/main">
+  <p:cSld>
+    <p:spTree>
+      <p:nvGrpSpPr>
+        <p:cNvPr id="1" name=""/>
+        <p:cNvGrpSpPr/>
+        <p:nvPr/>
+      </p:nvGrpSpPr>
+      <p:grpSpPr>
+        <a:xfrm>
+          <a:off x="0" y="0"/>
+          <a:ext cx="0" cy="0"/>
+          <a:chOff x="0" y="0"/>
+          <a:chExt cx="0" cy="0"/>
+        </a:xfrm>
+      </p:grpSpPr>
+      <p:sp>
+        <p:nvSpPr>
+          <p:cNvPr id="2" name="Title 1"/>
+          <p:cNvSpPr>
+            <a:spLocks noGrp="1"/>
+          </p:cNvSpPr>
+          <p:nvPr>
+            <p:ph type="title"/>
+          </p:nvPr>
+        </p:nvSpPr>
+        <p:spPr/>
+        <p:txBody>
+          <a:bodyPr/>
+          <a:lstStyle/>
+          <a:p>
+            <a:r>
+              <a:rPr lang="en-US" dirty="0"/>
+              <a:t>Date picker</a:t>
+            </a:r>
           </a:p>
         </p:txBody>
       </p:sp>
       <p:pic>
         <p:nvPicPr>
-          <p:cNvPr id="9218" name="Picture 2"/>
+          <p:cNvPr id="4098" name="Picture 2"/>
           <p:cNvPicPr>
-            <a:picLocks noChangeAspect="1" noChangeArrowheads="1"/>
+            <a:picLocks noGrp="1" noChangeAspect="1" noChangeArrowheads="1"/>
           </p:cNvPicPr>
-          <p:nvPr/>
+          <p:nvPr>
+            <p:ph idx="1"/>
+          </p:nvPr>
         </p:nvPicPr>
         <p:blipFill>
           <a:blip r:embed="rId2">
@@ -9388,8 +9253,8 @@
         </p:blipFill>
         <p:spPr bwMode="auto">
           <a:xfrm>
-            <a:off x="762000" y="3962400"/>
-            <a:ext cx="8001000" cy="615461"/>
+            <a:off x="914400" y="2438400"/>
+            <a:ext cx="7924674" cy="3048000"/>
           </a:xfrm>
           <a:prstGeom prst="rect">
             <a:avLst/>
@@ -9422,7 +9287,7 @@
     </p:spTree>
     <p:extLst>
       <p:ext uri="{BB962C8B-B14F-4D97-AF65-F5344CB8AC3E}">
-        <p14:creationId xmlns:p14="http://schemas.microsoft.com/office/powerpoint/2010/main" val="3470569547"/>
+        <p14:creationId xmlns:p14="http://schemas.microsoft.com/office/powerpoint/2010/main" val="2463238991"/>
       </p:ext>
     </p:extLst>
   </p:cSld>
@@ -9432,7 +9297,7 @@
 </p:sld>
 </file>
 
-<file path=ppt/slides/slide2.xml><?xml version="1.0" encoding="utf-8"?>
+<file path=ppt/slides/slide19.xml><?xml version="1.0" encoding="utf-8"?>
 <p:sld xmlns:a="http://schemas.openxmlformats.org/drawingml/2006/main" xmlns:r="http://schemas.openxmlformats.org/officeDocument/2006/relationships" xmlns:p="http://schemas.openxmlformats.org/presentationml/2006/main">
   <p:cSld>
     <p:spTree>
@@ -9465,10 +9330,9 @@
           <a:lstStyle/>
           <a:p>
             <a:r>
-              <a:rPr lang="en-IE" dirty="0" smtClean="0"/>
-              <a:t>overview</a:t>
-            </a:r>
-            <a:endParaRPr lang="en-IE" dirty="0"/>
+              <a:rPr lang="en-US" dirty="0"/>
+              <a:t>Date picker</a:t>
+            </a:r>
           </a:p>
         </p:txBody>
       </p:sp>
@@ -9488,129 +9352,45 @@
           <a:lstStyle/>
           <a:p>
             <a:r>
-              <a:rPr lang="en-IE" dirty="0" smtClean="0"/>
-              <a:t>Events</a:t>
-            </a:r>
-          </a:p>
-          <a:p>
-            <a:r>
-              <a:rPr lang="en-IE" dirty="0" smtClean="0"/>
-              <a:t>Image rollover</a:t>
-            </a:r>
-          </a:p>
-          <a:p>
-            <a:r>
-              <a:rPr lang="en-IE" dirty="0" smtClean="0"/>
-              <a:t>Image replacement</a:t>
-            </a:r>
-          </a:p>
-          <a:p>
-            <a:r>
-              <a:rPr lang="en-IE" dirty="0" smtClean="0"/>
-              <a:t>Plugins</a:t>
-            </a:r>
-            <a:endParaRPr lang="en-IE" dirty="0"/>
-          </a:p>
-        </p:txBody>
-      </p:sp>
-    </p:spTree>
-    <p:extLst>
-      <p:ext uri="{BB962C8B-B14F-4D97-AF65-F5344CB8AC3E}">
-        <p14:creationId xmlns:p14="http://schemas.microsoft.com/office/powerpoint/2010/main" val="2357837636"/>
-      </p:ext>
-    </p:extLst>
-  </p:cSld>
-  <p:clrMapOvr>
-    <a:masterClrMapping/>
-  </p:clrMapOvr>
-</p:sld>
-</file>
-
-<file path=ppt/slides/slide20.xml><?xml version="1.0" encoding="utf-8"?>
-<p:sld xmlns:a="http://schemas.openxmlformats.org/drawingml/2006/main" xmlns:r="http://schemas.openxmlformats.org/officeDocument/2006/relationships" xmlns:p="http://schemas.openxmlformats.org/presentationml/2006/main">
-  <p:cSld>
-    <p:spTree>
-      <p:nvGrpSpPr>
-        <p:cNvPr id="1" name=""/>
-        <p:cNvGrpSpPr/>
-        <p:nvPr/>
-      </p:nvGrpSpPr>
-      <p:grpSpPr>
-        <a:xfrm>
-          <a:off x="0" y="0"/>
-          <a:ext cx="0" cy="0"/>
-          <a:chOff x="0" y="0"/>
-          <a:chExt cx="0" cy="0"/>
-        </a:xfrm>
-      </p:grpSpPr>
-      <p:sp>
-        <p:nvSpPr>
-          <p:cNvPr id="2" name="Title 1"/>
-          <p:cNvSpPr>
-            <a:spLocks noGrp="1"/>
-          </p:cNvSpPr>
-          <p:nvPr>
-            <p:ph type="title"/>
-          </p:nvPr>
-        </p:nvSpPr>
-        <p:spPr/>
-        <p:txBody>
-          <a:bodyPr/>
-          <a:lstStyle/>
-          <a:p>
-            <a:r>
-              <a:rPr lang="en-IE" dirty="0" smtClean="0"/>
-              <a:t>Example: adding options</a:t>
-            </a:r>
-            <a:endParaRPr lang="en-IE" dirty="0"/>
-          </a:p>
-        </p:txBody>
-      </p:sp>
-      <p:sp>
-        <p:nvSpPr>
-          <p:cNvPr id="3" name="Content Placeholder 2"/>
-          <p:cNvSpPr>
-            <a:spLocks noGrp="1"/>
-          </p:cNvSpPr>
-          <p:nvPr>
-            <p:ph idx="1"/>
-          </p:nvPr>
-        </p:nvSpPr>
-        <p:spPr/>
-        <p:txBody>
-          <a:bodyPr/>
-          <a:lstStyle/>
-          <a:p>
-            <a:r>
               <a:rPr lang="en-US" dirty="0"/>
-              <a:t>We may add options to the lightbox plugin, as can be seen in the following example. For example instead of stopping when we reach the maximum number of images, the lightbox continues to iterate.</a:t>
-            </a:r>
-          </a:p>
-          <a:p>
+              <a:t>To </a:t>
+            </a:r>
+            <a:r>
+              <a:rPr lang="en-US" dirty="0" smtClean="0"/>
+              <a:t>call </a:t>
+            </a:r>
             <a:r>
               <a:rPr lang="en-US" dirty="0"/>
-              <a:t>All options can be found at the following site: </a:t>
-            </a:r>
-            <a:r>
-              <a:rPr lang="en-US" dirty="0">
-                <a:hlinkClick r:id="rId2"/>
-              </a:rPr>
-              <a:t>http://lokeshdhakar.com/projects/lightbox2/#options</a:t>
-            </a:r>
+              <a:t>the </a:t>
+            </a:r>
+            <a:r>
+              <a:rPr lang="en-US" dirty="0" err="1"/>
+              <a:t>datepicker</a:t>
+            </a:r>
+            <a:r>
+              <a:rPr lang="en-US" dirty="0"/>
+              <a:t>, you </a:t>
+            </a:r>
+            <a:r>
+              <a:rPr lang="en-US" dirty="0" smtClean="0"/>
+              <a:t>need (JavaScript):</a:t>
+            </a:r>
+          </a:p>
+          <a:p>
             <a:endParaRPr lang="en-US" dirty="0"/>
           </a:p>
         </p:txBody>
       </p:sp>
       <p:pic>
         <p:nvPicPr>
-          <p:cNvPr id="10242" name="Picture 2"/>
+          <p:cNvPr id="5123" name="Picture 3"/>
           <p:cNvPicPr>
             <a:picLocks noChangeAspect="1" noChangeArrowheads="1"/>
           </p:cNvPicPr>
           <p:nvPr/>
         </p:nvPicPr>
         <p:blipFill>
-          <a:blip r:embed="rId3">
+          <a:blip r:embed="rId2">
             <a:extLst>
               <a:ext uri="{28A0092B-C50C-407E-A947-70E740481C1C}">
                 <a14:useLocalDpi xmlns:a14="http://schemas.microsoft.com/office/drawing/2010/main" val="0"/>
@@ -9624,8 +9404,8 @@
         </p:blipFill>
         <p:spPr bwMode="auto">
           <a:xfrm>
-            <a:off x="2667000" y="4378036"/>
-            <a:ext cx="3848100" cy="2098964"/>
+            <a:off x="2209800" y="2895600"/>
+            <a:ext cx="3438525" cy="1704048"/>
           </a:xfrm>
           <a:prstGeom prst="rect">
             <a:avLst/>
@@ -9658,13 +9438,772 @@
     </p:spTree>
     <p:extLst>
       <p:ext uri="{BB962C8B-B14F-4D97-AF65-F5344CB8AC3E}">
-        <p14:creationId xmlns:p14="http://schemas.microsoft.com/office/powerpoint/2010/main" val="2075007614"/>
+        <p14:creationId xmlns:p14="http://schemas.microsoft.com/office/powerpoint/2010/main" val="3713639074"/>
       </p:ext>
     </p:extLst>
   </p:cSld>
   <p:clrMapOvr>
     <a:masterClrMapping/>
   </p:clrMapOvr>
+</p:sld>
+</file>
+
+<file path=ppt/slides/slide2.xml><?xml version="1.0" encoding="utf-8"?>
+<p:sld xmlns:a="http://schemas.openxmlformats.org/drawingml/2006/main" xmlns:r="http://schemas.openxmlformats.org/officeDocument/2006/relationships" xmlns:p="http://schemas.openxmlformats.org/presentationml/2006/main">
+  <p:cSld>
+    <p:spTree>
+      <p:nvGrpSpPr>
+        <p:cNvPr id="1" name=""/>
+        <p:cNvGrpSpPr/>
+        <p:nvPr/>
+      </p:nvGrpSpPr>
+      <p:grpSpPr>
+        <a:xfrm>
+          <a:off x="0" y="0"/>
+          <a:ext cx="0" cy="0"/>
+          <a:chOff x="0" y="0"/>
+          <a:chExt cx="0" cy="0"/>
+        </a:xfrm>
+      </p:grpSpPr>
+      <p:sp>
+        <p:nvSpPr>
+          <p:cNvPr id="2" name="Title 1"/>
+          <p:cNvSpPr>
+            <a:spLocks noGrp="1"/>
+          </p:cNvSpPr>
+          <p:nvPr>
+            <p:ph type="title"/>
+          </p:nvPr>
+        </p:nvSpPr>
+        <p:spPr/>
+        <p:txBody>
+          <a:bodyPr/>
+          <a:lstStyle/>
+          <a:p>
+            <a:r>
+              <a:rPr lang="en-IE" dirty="0" smtClean="0"/>
+              <a:t>overview</a:t>
+            </a:r>
+            <a:endParaRPr lang="en-IE" dirty="0"/>
+          </a:p>
+        </p:txBody>
+      </p:sp>
+      <p:sp>
+        <p:nvSpPr>
+          <p:cNvPr id="3" name="Content Placeholder 2"/>
+          <p:cNvSpPr>
+            <a:spLocks noGrp="1"/>
+          </p:cNvSpPr>
+          <p:nvPr>
+            <p:ph idx="1"/>
+          </p:nvPr>
+        </p:nvSpPr>
+        <p:spPr/>
+        <p:txBody>
+          <a:bodyPr/>
+          <a:lstStyle/>
+          <a:p>
+            <a:r>
+              <a:rPr lang="en-IE" dirty="0" smtClean="0"/>
+              <a:t>Events</a:t>
+            </a:r>
+          </a:p>
+          <a:p>
+            <a:r>
+              <a:rPr lang="en-IE" dirty="0" smtClean="0"/>
+              <a:t>Image rollover</a:t>
+            </a:r>
+          </a:p>
+          <a:p>
+            <a:r>
+              <a:rPr lang="en-IE" dirty="0" smtClean="0"/>
+              <a:t>Image replacement</a:t>
+            </a:r>
+          </a:p>
+          <a:p>
+            <a:r>
+              <a:rPr lang="en-IE" dirty="0" smtClean="0"/>
+              <a:t>Plugins</a:t>
+            </a:r>
+            <a:endParaRPr lang="en-IE" dirty="0"/>
+          </a:p>
+        </p:txBody>
+      </p:sp>
+    </p:spTree>
+    <p:extLst>
+      <p:ext uri="{BB962C8B-B14F-4D97-AF65-F5344CB8AC3E}">
+        <p14:creationId xmlns:p14="http://schemas.microsoft.com/office/powerpoint/2010/main" val="2357837636"/>
+      </p:ext>
+    </p:extLst>
+  </p:cSld>
+  <p:clrMapOvr>
+    <a:masterClrMapping/>
+  </p:clrMapOvr>
+</p:sld>
+</file>
+
+<file path=ppt/slides/slide20.xml><?xml version="1.0" encoding="utf-8"?>
+<p:sld xmlns:a="http://schemas.openxmlformats.org/drawingml/2006/main" xmlns:r="http://schemas.openxmlformats.org/officeDocument/2006/relationships" xmlns:p="http://schemas.openxmlformats.org/presentationml/2006/main">
+  <p:cSld>
+    <p:spTree>
+      <p:nvGrpSpPr>
+        <p:cNvPr id="1" name=""/>
+        <p:cNvGrpSpPr/>
+        <p:nvPr/>
+      </p:nvGrpSpPr>
+      <p:grpSpPr>
+        <a:xfrm>
+          <a:off x="0" y="0"/>
+          <a:ext cx="0" cy="0"/>
+          <a:chOff x="0" y="0"/>
+          <a:chExt cx="0" cy="0"/>
+        </a:xfrm>
+      </p:grpSpPr>
+      <p:sp>
+        <p:nvSpPr>
+          <p:cNvPr id="2" name="Title 1"/>
+          <p:cNvSpPr>
+            <a:spLocks noGrp="1"/>
+          </p:cNvSpPr>
+          <p:nvPr>
+            <p:ph type="title"/>
+          </p:nvPr>
+        </p:nvSpPr>
+        <p:spPr/>
+        <p:txBody>
+          <a:bodyPr/>
+          <a:lstStyle/>
+          <a:p>
+            <a:r>
+              <a:rPr lang="en-US" dirty="0"/>
+              <a:t>Date picker</a:t>
+            </a:r>
+          </a:p>
+        </p:txBody>
+      </p:sp>
+      <p:sp>
+        <p:nvSpPr>
+          <p:cNvPr id="3" name="Content Placeholder 2"/>
+          <p:cNvSpPr>
+            <a:spLocks noGrp="1"/>
+          </p:cNvSpPr>
+          <p:nvPr>
+            <p:ph idx="1"/>
+          </p:nvPr>
+        </p:nvSpPr>
+        <p:spPr/>
+        <p:txBody>
+          <a:bodyPr/>
+          <a:lstStyle/>
+          <a:p>
+            <a:r>
+              <a:rPr lang="en-US" dirty="0" smtClean="0"/>
+              <a:t>Again, there are options with the date picker such as:</a:t>
+            </a:r>
+          </a:p>
+          <a:p>
+            <a:pPr lvl="1"/>
+            <a:r>
+              <a:rPr lang="en-US" dirty="0" smtClean="0"/>
+              <a:t>Format</a:t>
+            </a:r>
+          </a:p>
+          <a:p>
+            <a:pPr lvl="1"/>
+            <a:r>
+              <a:rPr lang="en-US" dirty="0" err="1" smtClean="0"/>
+              <a:t>StartDate</a:t>
+            </a:r>
+            <a:endParaRPr lang="en-US" dirty="0" smtClean="0"/>
+          </a:p>
+          <a:p>
+            <a:pPr lvl="1"/>
+            <a:r>
+              <a:rPr lang="en-US" dirty="0" err="1" smtClean="0"/>
+              <a:t>EndDate</a:t>
+            </a:r>
+            <a:endParaRPr lang="en-US" dirty="0" smtClean="0"/>
+          </a:p>
+          <a:p>
+            <a:pPr lvl="1"/>
+            <a:r>
+              <a:rPr lang="en-US" dirty="0" err="1" smtClean="0"/>
+              <a:t>StartView</a:t>
+            </a:r>
+            <a:r>
+              <a:rPr lang="en-US" dirty="0" smtClean="0"/>
+              <a:t>.</a:t>
+            </a:r>
+            <a:endParaRPr lang="en-US" dirty="0"/>
+          </a:p>
+        </p:txBody>
+      </p:sp>
+    </p:spTree>
+    <p:extLst>
+      <p:ext uri="{BB962C8B-B14F-4D97-AF65-F5344CB8AC3E}">
+        <p14:creationId xmlns:p14="http://schemas.microsoft.com/office/powerpoint/2010/main" val="2319071922"/>
+      </p:ext>
+    </p:extLst>
+  </p:cSld>
+  <p:clrMapOvr>
+    <a:masterClrMapping/>
+  </p:clrMapOvr>
+</p:sld>
+</file>
+
+<file path=ppt/slides/slide21.xml><?xml version="1.0" encoding="utf-8"?>
+<p:sld xmlns:a="http://schemas.openxmlformats.org/drawingml/2006/main" xmlns:r="http://schemas.openxmlformats.org/officeDocument/2006/relationships" xmlns:p="http://schemas.openxmlformats.org/presentationml/2006/main">
+  <p:cSld>
+    <p:spTree>
+      <p:nvGrpSpPr>
+        <p:cNvPr id="1" name=""/>
+        <p:cNvGrpSpPr/>
+        <p:nvPr/>
+      </p:nvGrpSpPr>
+      <p:grpSpPr>
+        <a:xfrm>
+          <a:off x="0" y="0"/>
+          <a:ext cx="0" cy="0"/>
+          <a:chOff x="0" y="0"/>
+          <a:chExt cx="0" cy="0"/>
+        </a:xfrm>
+      </p:grpSpPr>
+      <p:sp>
+        <p:nvSpPr>
+          <p:cNvPr id="2" name="Title 1"/>
+          <p:cNvSpPr>
+            <a:spLocks noGrp="1"/>
+          </p:cNvSpPr>
+          <p:nvPr>
+            <p:ph type="title"/>
+          </p:nvPr>
+        </p:nvSpPr>
+        <p:spPr/>
+        <p:txBody>
+          <a:bodyPr/>
+          <a:lstStyle/>
+          <a:p>
+            <a:r>
+              <a:rPr lang="en-US" dirty="0"/>
+              <a:t>HTML5 Validation plugin</a:t>
+            </a:r>
+          </a:p>
+        </p:txBody>
+      </p:sp>
+      <p:sp>
+        <p:nvSpPr>
+          <p:cNvPr id="3" name="Content Placeholder 2"/>
+          <p:cNvSpPr>
+            <a:spLocks noGrp="1"/>
+          </p:cNvSpPr>
+          <p:nvPr>
+            <p:ph idx="1"/>
+          </p:nvPr>
+        </p:nvSpPr>
+        <p:spPr/>
+        <p:txBody>
+          <a:bodyPr/>
+          <a:lstStyle/>
+          <a:p>
+            <a:r>
+              <a:rPr lang="en-US" b="1" dirty="0"/>
+              <a:t>h5Validate</a:t>
+            </a:r>
+            <a:r>
+              <a:rPr lang="en-US" dirty="0"/>
+              <a:t> is a jQuery plugin that understands HTML5 forms and knows how to validate them, even in browsers that don’t yet support HTML5. In browsers that do support HTML5, h5Validate adds some much-needed features, such as the ability to customize the user interface when an input fails validation</a:t>
+            </a:r>
+            <a:r>
+              <a:rPr lang="en-US" dirty="0" smtClean="0"/>
+              <a:t>.</a:t>
+            </a:r>
+          </a:p>
+          <a:p>
+            <a:r>
+              <a:rPr lang="en-US" dirty="0"/>
+              <a:t>You will need the following </a:t>
+            </a:r>
+            <a:r>
+              <a:rPr lang="en-US" dirty="0" smtClean="0"/>
+              <a:t>file:</a:t>
+            </a:r>
+          </a:p>
+          <a:p>
+            <a:pPr lvl="1"/>
+            <a:r>
+              <a:rPr lang="en-US" dirty="0" smtClean="0"/>
+              <a:t>jquery.h5validate.js</a:t>
+            </a:r>
+            <a:endParaRPr lang="en-US" dirty="0"/>
+          </a:p>
+          <a:p>
+            <a:endParaRPr lang="en-US" dirty="0" smtClean="0"/>
+          </a:p>
+          <a:p>
+            <a:endParaRPr lang="en-US" dirty="0"/>
+          </a:p>
+        </p:txBody>
+      </p:sp>
+    </p:spTree>
+    <p:extLst>
+      <p:ext uri="{BB962C8B-B14F-4D97-AF65-F5344CB8AC3E}">
+        <p14:creationId xmlns:p14="http://schemas.microsoft.com/office/powerpoint/2010/main" val="3802579824"/>
+      </p:ext>
+    </p:extLst>
+  </p:cSld>
+  <p:clrMapOvr>
+    <a:masterClrMapping/>
+  </p:clrMapOvr>
+</p:sld>
+</file>
+
+<file path=ppt/slides/slide22.xml><?xml version="1.0" encoding="utf-8"?>
+<p:sld xmlns:a="http://schemas.openxmlformats.org/drawingml/2006/main" xmlns:r="http://schemas.openxmlformats.org/officeDocument/2006/relationships" xmlns:p="http://schemas.openxmlformats.org/presentationml/2006/main">
+  <p:cSld>
+    <p:spTree>
+      <p:nvGrpSpPr>
+        <p:cNvPr id="1" name=""/>
+        <p:cNvGrpSpPr/>
+        <p:nvPr/>
+      </p:nvGrpSpPr>
+      <p:grpSpPr>
+        <a:xfrm>
+          <a:off x="0" y="0"/>
+          <a:ext cx="0" cy="0"/>
+          <a:chOff x="0" y="0"/>
+          <a:chExt cx="0" cy="0"/>
+        </a:xfrm>
+      </p:grpSpPr>
+      <p:sp>
+        <p:nvSpPr>
+          <p:cNvPr id="2" name="Title 1"/>
+          <p:cNvSpPr>
+            <a:spLocks noGrp="1"/>
+          </p:cNvSpPr>
+          <p:nvPr>
+            <p:ph type="title"/>
+          </p:nvPr>
+        </p:nvSpPr>
+        <p:spPr/>
+        <p:txBody>
+          <a:bodyPr/>
+          <a:lstStyle/>
+          <a:p>
+            <a:r>
+              <a:rPr lang="en-US" dirty="0"/>
+              <a:t>HTML5 Validation plugin</a:t>
+            </a:r>
+          </a:p>
+        </p:txBody>
+      </p:sp>
+      <p:sp>
+        <p:nvSpPr>
+          <p:cNvPr id="3" name="Content Placeholder 2"/>
+          <p:cNvSpPr>
+            <a:spLocks noGrp="1"/>
+          </p:cNvSpPr>
+          <p:nvPr>
+            <p:ph idx="1"/>
+          </p:nvPr>
+        </p:nvSpPr>
+        <p:spPr/>
+        <p:txBody>
+          <a:bodyPr/>
+          <a:lstStyle/>
+          <a:p>
+            <a:r>
+              <a:rPr lang="en-US" dirty="0" smtClean="0"/>
+              <a:t>You can invoke the plugin as follows:</a:t>
+            </a:r>
+          </a:p>
+          <a:p>
+            <a:endParaRPr lang="en-US" dirty="0"/>
+          </a:p>
+          <a:p>
+            <a:endParaRPr lang="en-US" dirty="0" smtClean="0"/>
+          </a:p>
+          <a:p>
+            <a:endParaRPr lang="en-US" dirty="0"/>
+          </a:p>
+          <a:p>
+            <a:r>
+              <a:rPr lang="en-US" dirty="0"/>
+              <a:t>To add </a:t>
+            </a:r>
+            <a:r>
+              <a:rPr lang="en-US" dirty="0" err="1"/>
+              <a:t>colour</a:t>
+            </a:r>
+            <a:r>
+              <a:rPr lang="en-US" dirty="0"/>
+              <a:t> to the elements causing the error add an </a:t>
+            </a:r>
+            <a:r>
+              <a:rPr lang="en-US" dirty="0" err="1"/>
+              <a:t>errorClass</a:t>
+            </a:r>
+            <a:r>
+              <a:rPr lang="en-US" dirty="0"/>
+              <a:t>.</a:t>
+            </a:r>
+            <a:endParaRPr lang="en-US" dirty="0" smtClean="0"/>
+          </a:p>
+          <a:p>
+            <a:endParaRPr lang="en-US" dirty="0"/>
+          </a:p>
+        </p:txBody>
+      </p:sp>
+      <p:pic>
+        <p:nvPicPr>
+          <p:cNvPr id="6146" name="Picture 2"/>
+          <p:cNvPicPr>
+            <a:picLocks noChangeAspect="1" noChangeArrowheads="1"/>
+          </p:cNvPicPr>
+          <p:nvPr/>
+        </p:nvPicPr>
+        <p:blipFill>
+          <a:blip r:embed="rId2">
+            <a:extLst>
+              <a:ext uri="{28A0092B-C50C-407E-A947-70E740481C1C}">
+                <a14:useLocalDpi xmlns:a14="http://schemas.microsoft.com/office/drawing/2010/main" val="0"/>
+              </a:ext>
+            </a:extLst>
+          </a:blip>
+          <a:srcRect/>
+          <a:stretch>
+            <a:fillRect/>
+          </a:stretch>
+        </p:blipFill>
+        <p:spPr bwMode="auto">
+          <a:xfrm>
+            <a:off x="1676400" y="2895600"/>
+            <a:ext cx="3807883" cy="1066800"/>
+          </a:xfrm>
+          <a:prstGeom prst="rect">
+            <a:avLst/>
+          </a:prstGeom>
+          <a:noFill/>
+          <a:ln>
+            <a:noFill/>
+          </a:ln>
+          <a:extLst>
+            <a:ext uri="{909E8E84-426E-40DD-AFC4-6F175D3DCCD1}">
+              <a14:hiddenFill xmlns:a14="http://schemas.microsoft.com/office/drawing/2010/main">
+                <a:solidFill>
+                  <a:schemeClr val="accent1"/>
+                </a:solidFill>
+              </a14:hiddenFill>
+            </a:ext>
+            <a:ext uri="{91240B29-F687-4F45-9708-019B960494DF}">
+              <a14:hiddenLine xmlns:a14="http://schemas.microsoft.com/office/drawing/2010/main" w="9525">
+                <a:solidFill>
+                  <a:schemeClr val="tx1"/>
+                </a:solidFill>
+                <a:miter lim="800000"/>
+                <a:headEnd/>
+                <a:tailEnd/>
+              </a14:hiddenLine>
+            </a:ext>
+          </a:extLst>
+        </p:spPr>
+      </p:pic>
+      <p:pic>
+        <p:nvPicPr>
+          <p:cNvPr id="6147" name="Picture 3"/>
+          <p:cNvPicPr>
+            <a:picLocks noChangeAspect="1" noChangeArrowheads="1"/>
+          </p:cNvPicPr>
+          <p:nvPr/>
+        </p:nvPicPr>
+        <p:blipFill>
+          <a:blip r:embed="rId3">
+            <a:extLst>
+              <a:ext uri="{28A0092B-C50C-407E-A947-70E740481C1C}">
+                <a14:useLocalDpi xmlns:a14="http://schemas.microsoft.com/office/drawing/2010/main" val="0"/>
+              </a:ext>
+            </a:extLst>
+          </a:blip>
+          <a:srcRect/>
+          <a:stretch>
+            <a:fillRect/>
+          </a:stretch>
+        </p:blipFill>
+        <p:spPr bwMode="auto">
+          <a:xfrm>
+            <a:off x="1676400" y="4800600"/>
+            <a:ext cx="5348817" cy="1066800"/>
+          </a:xfrm>
+          <a:prstGeom prst="rect">
+            <a:avLst/>
+          </a:prstGeom>
+          <a:noFill/>
+          <a:ln>
+            <a:noFill/>
+          </a:ln>
+          <a:extLst>
+            <a:ext uri="{909E8E84-426E-40DD-AFC4-6F175D3DCCD1}">
+              <a14:hiddenFill xmlns:a14="http://schemas.microsoft.com/office/drawing/2010/main">
+                <a:solidFill>
+                  <a:schemeClr val="accent1"/>
+                </a:solidFill>
+              </a14:hiddenFill>
+            </a:ext>
+            <a:ext uri="{91240B29-F687-4F45-9708-019B960494DF}">
+              <a14:hiddenLine xmlns:a14="http://schemas.microsoft.com/office/drawing/2010/main" w="9525">
+                <a:solidFill>
+                  <a:schemeClr val="tx1"/>
+                </a:solidFill>
+                <a:miter lim="800000"/>
+                <a:headEnd/>
+                <a:tailEnd/>
+              </a14:hiddenLine>
+            </a:ext>
+          </a:extLst>
+        </p:spPr>
+      </p:pic>
+    </p:spTree>
+    <p:extLst>
+      <p:ext uri="{BB962C8B-B14F-4D97-AF65-F5344CB8AC3E}">
+        <p14:creationId xmlns:p14="http://schemas.microsoft.com/office/powerpoint/2010/main" val="3772256798"/>
+      </p:ext>
+    </p:extLst>
+  </p:cSld>
+  <p:clrMapOvr>
+    <a:masterClrMapping/>
+  </p:clrMapOvr>
+</p:sld>
+</file>
+
+<file path=ppt/slides/slide23.xml><?xml version="1.0" encoding="utf-8"?>
+<p:sld xmlns:a="http://schemas.openxmlformats.org/drawingml/2006/main" xmlns:r="http://schemas.openxmlformats.org/officeDocument/2006/relationships" xmlns:p="http://schemas.openxmlformats.org/presentationml/2006/main">
+  <p:cSld>
+    <p:spTree>
+      <p:nvGrpSpPr>
+        <p:cNvPr id="1" name=""/>
+        <p:cNvGrpSpPr/>
+        <p:nvPr/>
+      </p:nvGrpSpPr>
+      <p:grpSpPr>
+        <a:xfrm>
+          <a:off x="0" y="0"/>
+          <a:ext cx="0" cy="0"/>
+          <a:chOff x="0" y="0"/>
+          <a:chExt cx="0" cy="0"/>
+        </a:xfrm>
+      </p:grpSpPr>
+      <p:sp>
+        <p:nvSpPr>
+          <p:cNvPr id="2" name="Title 1"/>
+          <p:cNvSpPr>
+            <a:spLocks noGrp="1"/>
+          </p:cNvSpPr>
+          <p:nvPr>
+            <p:ph type="title"/>
+          </p:nvPr>
+        </p:nvSpPr>
+        <p:spPr/>
+        <p:txBody>
+          <a:bodyPr/>
+          <a:lstStyle/>
+          <a:p>
+            <a:r>
+              <a:rPr lang="en-US" dirty="0"/>
+              <a:t>HTML5 Validation plugin</a:t>
+            </a:r>
+          </a:p>
+        </p:txBody>
+      </p:sp>
+      <p:sp>
+        <p:nvSpPr>
+          <p:cNvPr id="3" name="Content Placeholder 2"/>
+          <p:cNvSpPr>
+            <a:spLocks noGrp="1"/>
+          </p:cNvSpPr>
+          <p:nvPr>
+            <p:ph idx="1"/>
+          </p:nvPr>
+        </p:nvSpPr>
+        <p:spPr/>
+        <p:txBody>
+          <a:bodyPr/>
+          <a:lstStyle/>
+          <a:p>
+            <a:r>
+              <a:rPr lang="en-US" dirty="0"/>
+              <a:t>To display the title attribute values as error messages on the web page, we assign the </a:t>
+            </a:r>
+            <a:r>
+              <a:rPr lang="en-US" b="1" dirty="0"/>
+              <a:t>data-h5-errorid</a:t>
+            </a:r>
+            <a:r>
+              <a:rPr lang="en-US" dirty="0"/>
+              <a:t> attribute in the input field and we add a corresponding error div. </a:t>
+            </a:r>
+            <a:endParaRPr lang="en-US" dirty="0" smtClean="0"/>
+          </a:p>
+          <a:p>
+            <a:r>
+              <a:rPr lang="en-US" dirty="0"/>
+              <a:t>The data-h5-errorid attribute is assigned a value and that value is the id of the error </a:t>
+            </a:r>
+            <a:r>
+              <a:rPr lang="en-US" dirty="0" smtClean="0"/>
+              <a:t>div.</a:t>
+            </a:r>
+            <a:endParaRPr lang="en-US" dirty="0"/>
+          </a:p>
+        </p:txBody>
+      </p:sp>
+    </p:spTree>
+    <p:extLst>
+      <p:ext uri="{BB962C8B-B14F-4D97-AF65-F5344CB8AC3E}">
+        <p14:creationId xmlns:p14="http://schemas.microsoft.com/office/powerpoint/2010/main" val="537320434"/>
+      </p:ext>
+    </p:extLst>
+  </p:cSld>
+  <p:clrMapOvr>
+    <a:masterClrMapping/>
+  </p:clrMapOvr>
+  <p:timing>
+    <p:tnLst>
+      <p:par>
+        <p:cTn id="1" dur="indefinite" restart="never" nodeType="tmRoot"/>
+      </p:par>
+    </p:tnLst>
+  </p:timing>
+</p:sld>
+</file>
+
+<file path=ppt/slides/slide24.xml><?xml version="1.0" encoding="utf-8"?>
+<p:sld xmlns:a="http://schemas.openxmlformats.org/drawingml/2006/main" xmlns:r="http://schemas.openxmlformats.org/officeDocument/2006/relationships" xmlns:p="http://schemas.openxmlformats.org/presentationml/2006/main">
+  <p:cSld>
+    <p:spTree>
+      <p:nvGrpSpPr>
+        <p:cNvPr id="1" name=""/>
+        <p:cNvGrpSpPr/>
+        <p:nvPr/>
+      </p:nvGrpSpPr>
+      <p:grpSpPr>
+        <a:xfrm>
+          <a:off x="0" y="0"/>
+          <a:ext cx="0" cy="0"/>
+          <a:chOff x="0" y="0"/>
+          <a:chExt cx="0" cy="0"/>
+        </a:xfrm>
+      </p:grpSpPr>
+      <p:sp>
+        <p:nvSpPr>
+          <p:cNvPr id="2" name="Title 1"/>
+          <p:cNvSpPr>
+            <a:spLocks noGrp="1"/>
+          </p:cNvSpPr>
+          <p:nvPr>
+            <p:ph type="title"/>
+          </p:nvPr>
+        </p:nvSpPr>
+        <p:spPr/>
+        <p:txBody>
+          <a:bodyPr/>
+          <a:lstStyle/>
+          <a:p>
+            <a:r>
+              <a:rPr lang="en-US" dirty="0"/>
+              <a:t>HTML5 Validation plugin</a:t>
+            </a:r>
+          </a:p>
+        </p:txBody>
+      </p:sp>
+      <p:sp>
+        <p:nvSpPr>
+          <p:cNvPr id="4" name="Content Placeholder 3"/>
+          <p:cNvSpPr>
+            <a:spLocks noGrp="1"/>
+          </p:cNvSpPr>
+          <p:nvPr>
+            <p:ph idx="1"/>
+          </p:nvPr>
+        </p:nvSpPr>
+        <p:spPr/>
+        <p:txBody>
+          <a:bodyPr/>
+          <a:lstStyle/>
+          <a:p>
+            <a:endParaRPr lang="en-US"/>
+          </a:p>
+        </p:txBody>
+      </p:sp>
+      <p:pic>
+        <p:nvPicPr>
+          <p:cNvPr id="7171" name="Picture 3"/>
+          <p:cNvPicPr>
+            <a:picLocks noChangeAspect="1" noChangeArrowheads="1"/>
+          </p:cNvPicPr>
+          <p:nvPr/>
+        </p:nvPicPr>
+        <p:blipFill>
+          <a:blip r:embed="rId2">
+            <a:extLst>
+              <a:ext uri="{28A0092B-C50C-407E-A947-70E740481C1C}">
+                <a14:useLocalDpi xmlns:a14="http://schemas.microsoft.com/office/drawing/2010/main" val="0"/>
+              </a:ext>
+            </a:extLst>
+          </a:blip>
+          <a:srcRect/>
+          <a:stretch>
+            <a:fillRect/>
+          </a:stretch>
+        </p:blipFill>
+        <p:spPr bwMode="auto">
+          <a:xfrm>
+            <a:off x="881063" y="2533650"/>
+            <a:ext cx="8088650" cy="3028950"/>
+          </a:xfrm>
+          <a:prstGeom prst="rect">
+            <a:avLst/>
+          </a:prstGeom>
+          <a:noFill/>
+          <a:ln>
+            <a:noFill/>
+          </a:ln>
+          <a:extLst>
+            <a:ext uri="{909E8E84-426E-40DD-AFC4-6F175D3DCCD1}">
+              <a14:hiddenFill xmlns:a14="http://schemas.microsoft.com/office/drawing/2010/main">
+                <a:solidFill>
+                  <a:schemeClr val="accent1"/>
+                </a:solidFill>
+              </a14:hiddenFill>
+            </a:ext>
+            <a:ext uri="{91240B29-F687-4F45-9708-019B960494DF}">
+              <a14:hiddenLine xmlns:a14="http://schemas.microsoft.com/office/drawing/2010/main" w="9525">
+                <a:solidFill>
+                  <a:schemeClr val="tx1"/>
+                </a:solidFill>
+                <a:miter lim="800000"/>
+                <a:headEnd/>
+                <a:tailEnd/>
+              </a14:hiddenLine>
+            </a:ext>
+          </a:extLst>
+        </p:spPr>
+      </p:pic>
+    </p:spTree>
+    <p:extLst>
+      <p:ext uri="{BB962C8B-B14F-4D97-AF65-F5344CB8AC3E}">
+        <p14:creationId xmlns:p14="http://schemas.microsoft.com/office/powerpoint/2010/main" val="3003581104"/>
+      </p:ext>
+    </p:extLst>
+  </p:cSld>
+  <p:clrMapOvr>
+    <a:masterClrMapping/>
+  </p:clrMapOvr>
+  <p:timing>
+    <p:tnLst>
+      <p:par>
+        <p:cTn id="1" dur="indefinite" restart="never" nodeType="tmRoot"/>
+      </p:par>
+    </p:tnLst>
+  </p:timing>
 </p:sld>
 </file>
 
@@ -9746,21 +10285,40 @@
           <a:p>
             <a:r>
               <a:rPr lang="en-US" sz="2400" dirty="0"/>
-              <a:t>Preparing a web page to respond to an event is a two-stage process:</a:t>
+              <a:t>Preparing a web page to respond to an event is a </a:t>
+            </a:r>
+            <a:r>
+              <a:rPr lang="en-US" sz="2400" dirty="0" smtClean="0"/>
+              <a:t>three</a:t>
+            </a:r>
+            <a:r>
+              <a:rPr lang="en-US" sz="2400" dirty="0" smtClean="0"/>
+              <a:t>-stage </a:t>
+            </a:r>
+            <a:r>
+              <a:rPr lang="en-US" sz="2400" dirty="0"/>
+              <a:t>process:</a:t>
             </a:r>
           </a:p>
           <a:p>
             <a:pPr lvl="1"/>
             <a:r>
-              <a:rPr lang="en-US" sz="2000" dirty="0"/>
-              <a:t>Identify the page element that you wish to respond to an event.</a:t>
+              <a:rPr lang="en-US" dirty="0"/>
+              <a:t>Select the element node(s) you want the script to respond to.</a:t>
             </a:r>
           </a:p>
           <a:p>
             <a:pPr lvl="1"/>
             <a:r>
-              <a:rPr lang="en-US" sz="2000" dirty="0"/>
-              <a:t>Assign an event and define a function to run when the event occurs.</a:t>
+              <a:rPr lang="en-US" dirty="0"/>
+              <a:t>Indicate which event on the selected node(s) will trigger the response.</a:t>
+            </a:r>
+          </a:p>
+          <a:p>
+            <a:pPr lvl="1"/>
+            <a:r>
+              <a:rPr lang="en-US" dirty="0"/>
+              <a:t>State the code you want to run when the event occurs.</a:t>
             </a:r>
           </a:p>
           <a:p>
@@ -9810,534 +10368,6 @@
         </p:nvSpPr>
         <p:spPr/>
         <p:txBody>
-          <a:bodyPr/>
-          <a:lstStyle/>
-          <a:p>
-            <a:r>
-              <a:rPr lang="en-IE" dirty="0" smtClean="0"/>
-              <a:t>Mouse events</a:t>
-            </a:r>
-            <a:endParaRPr lang="en-IE" dirty="0"/>
-          </a:p>
-        </p:txBody>
-      </p:sp>
-      <p:sp>
-        <p:nvSpPr>
-          <p:cNvPr id="3" name="Content Placeholder 2"/>
-          <p:cNvSpPr>
-            <a:spLocks noGrp="1"/>
-          </p:cNvSpPr>
-          <p:nvPr>
-            <p:ph idx="1"/>
-          </p:nvPr>
-        </p:nvSpPr>
-        <p:spPr>
-          <a:xfrm>
-            <a:off x="938758" y="1371600"/>
-            <a:ext cx="7633742" cy="3593591"/>
-          </a:xfrm>
-        </p:spPr>
-        <p:txBody>
-          <a:bodyPr>
-            <a:noAutofit/>
-          </a:bodyPr>
-          <a:lstStyle/>
-          <a:p>
-            <a:r>
-              <a:rPr lang="en-US" sz="1800" b="1" dirty="0"/>
-              <a:t>.click</a:t>
-            </a:r>
-            <a:r>
-              <a:rPr lang="en-US" sz="1800" dirty="0"/>
-              <a:t>: The click fires after you click and release the mouse button.</a:t>
-            </a:r>
-          </a:p>
-          <a:p>
-            <a:r>
-              <a:rPr lang="en-US" sz="1800" b="1" dirty="0"/>
-              <a:t>.</a:t>
-            </a:r>
-            <a:r>
-              <a:rPr lang="en-US" sz="1800" b="1" dirty="0" err="1"/>
-              <a:t>dblclick</a:t>
-            </a:r>
-            <a:r>
-              <a:rPr lang="en-US" sz="1800" dirty="0"/>
-              <a:t>: The </a:t>
-            </a:r>
-            <a:r>
-              <a:rPr lang="en-US" sz="1800" dirty="0" err="1"/>
-              <a:t>dblclick</a:t>
-            </a:r>
-            <a:r>
-              <a:rPr lang="en-US" sz="1800" dirty="0"/>
-              <a:t> fires after you click and release the mouse button twice.</a:t>
-            </a:r>
-          </a:p>
-          <a:p>
-            <a:r>
-              <a:rPr lang="en-US" sz="1800" b="1" dirty="0"/>
-              <a:t>.</a:t>
-            </a:r>
-            <a:r>
-              <a:rPr lang="en-US" sz="1800" b="1" dirty="0" err="1"/>
-              <a:t>mousedown</a:t>
-            </a:r>
-            <a:r>
-              <a:rPr lang="en-US" sz="1800" dirty="0"/>
-              <a:t>: The </a:t>
-            </a:r>
-            <a:r>
-              <a:rPr lang="en-US" sz="1800" dirty="0" err="1"/>
-              <a:t>mousedown</a:t>
-            </a:r>
-            <a:r>
-              <a:rPr lang="en-US" sz="1800" dirty="0"/>
-              <a:t> fires after you press the mouse button down.</a:t>
-            </a:r>
-          </a:p>
-          <a:p>
-            <a:r>
-              <a:rPr lang="en-US" sz="1800" b="1" dirty="0"/>
-              <a:t>.</a:t>
-            </a:r>
-            <a:r>
-              <a:rPr lang="en-US" sz="1800" b="1" dirty="0" err="1"/>
-              <a:t>mouseup</a:t>
-            </a:r>
-            <a:r>
-              <a:rPr lang="en-US" sz="1800" dirty="0"/>
-              <a:t>: The </a:t>
-            </a:r>
-            <a:r>
-              <a:rPr lang="en-US" sz="1800" dirty="0" err="1"/>
-              <a:t>mouseup</a:t>
-            </a:r>
-            <a:r>
-              <a:rPr lang="en-US" sz="1800" dirty="0"/>
-              <a:t> fires after you release the mouse button.</a:t>
-            </a:r>
-          </a:p>
-          <a:p>
-            <a:r>
-              <a:rPr lang="en-US" sz="1800" b="1" dirty="0"/>
-              <a:t>.</a:t>
-            </a:r>
-            <a:r>
-              <a:rPr lang="en-US" sz="1800" b="1" dirty="0" err="1"/>
-              <a:t>mouseenter</a:t>
-            </a:r>
-            <a:r>
-              <a:rPr lang="en-US" sz="1800" dirty="0"/>
-              <a:t>: The </a:t>
-            </a:r>
-            <a:r>
-              <a:rPr lang="en-US" sz="1800" dirty="0" err="1"/>
-              <a:t>mouseenter</a:t>
-            </a:r>
-            <a:r>
-              <a:rPr lang="en-US" sz="1800" dirty="0"/>
-              <a:t> fires after you move the mouse over a page element.</a:t>
-            </a:r>
-          </a:p>
-          <a:p>
-            <a:r>
-              <a:rPr lang="en-US" sz="1800" b="1" dirty="0"/>
-              <a:t>.</a:t>
-            </a:r>
-            <a:r>
-              <a:rPr lang="en-US" sz="1800" b="1" dirty="0" err="1"/>
-              <a:t>mouseover</a:t>
-            </a:r>
-            <a:r>
-              <a:rPr lang="en-US" sz="1800" dirty="0"/>
-              <a:t>: The </a:t>
-            </a:r>
-            <a:r>
-              <a:rPr lang="en-US" sz="1800" dirty="0" err="1"/>
-              <a:t>mouseover</a:t>
-            </a:r>
-            <a:r>
-              <a:rPr lang="en-US" sz="1800" dirty="0"/>
-              <a:t> fires after you move the mouse over a page element. It works on child elements also.</a:t>
-            </a:r>
-          </a:p>
-          <a:p>
-            <a:r>
-              <a:rPr lang="en-US" sz="1800" b="1" dirty="0"/>
-              <a:t>.</a:t>
-            </a:r>
-            <a:r>
-              <a:rPr lang="en-US" sz="1800" b="1" dirty="0" err="1"/>
-              <a:t>mouseleave</a:t>
-            </a:r>
-            <a:r>
-              <a:rPr lang="en-US" sz="1800" dirty="0"/>
-              <a:t>: The </a:t>
-            </a:r>
-            <a:r>
-              <a:rPr lang="en-US" sz="1800" dirty="0" err="1"/>
-              <a:t>mouseleave</a:t>
-            </a:r>
-            <a:r>
-              <a:rPr lang="en-US" sz="1800" dirty="0"/>
-              <a:t> fires after you move the mouse off a page element.</a:t>
-            </a:r>
-          </a:p>
-          <a:p>
-            <a:r>
-              <a:rPr lang="en-US" sz="1800" b="1" dirty="0"/>
-              <a:t>.</a:t>
-            </a:r>
-            <a:r>
-              <a:rPr lang="en-US" sz="1800" b="1" dirty="0" err="1"/>
-              <a:t>mouseout</a:t>
-            </a:r>
-            <a:r>
-              <a:rPr lang="en-US" sz="1800" dirty="0"/>
-              <a:t>: The </a:t>
-            </a:r>
-            <a:r>
-              <a:rPr lang="en-US" sz="1800" dirty="0" err="1"/>
-              <a:t>mouseout</a:t>
-            </a:r>
-            <a:r>
-              <a:rPr lang="en-US" sz="1800" dirty="0"/>
-              <a:t> fires after you move the mouse off a page element. It works on child elements also.</a:t>
-            </a:r>
-          </a:p>
-          <a:p>
-            <a:r>
-              <a:rPr lang="en-US" sz="1800" b="1" dirty="0"/>
-              <a:t>.</a:t>
-            </a:r>
-            <a:r>
-              <a:rPr lang="en-US" sz="1800" b="1" dirty="0" err="1"/>
-              <a:t>mousemove</a:t>
-            </a:r>
-            <a:r>
-              <a:rPr lang="en-US" sz="1800" dirty="0"/>
-              <a:t>: The </a:t>
-            </a:r>
-            <a:r>
-              <a:rPr lang="en-US" sz="1800" dirty="0" err="1"/>
-              <a:t>mousemove</a:t>
-            </a:r>
-            <a:r>
-              <a:rPr lang="en-US" sz="1800" dirty="0"/>
-              <a:t> fires after you move the mouse.</a:t>
-            </a:r>
-          </a:p>
-          <a:p>
-            <a:pPr marL="0" indent="0">
-              <a:buNone/>
-            </a:pPr>
-            <a:endParaRPr lang="en-IE" sz="1800" dirty="0"/>
-          </a:p>
-        </p:txBody>
-      </p:sp>
-    </p:spTree>
-    <p:extLst>
-      <p:ext uri="{BB962C8B-B14F-4D97-AF65-F5344CB8AC3E}">
-        <p14:creationId xmlns:p14="http://schemas.microsoft.com/office/powerpoint/2010/main" val="2516609688"/>
-      </p:ext>
-    </p:extLst>
-  </p:cSld>
-  <p:clrMapOvr>
-    <a:masterClrMapping/>
-  </p:clrMapOvr>
-</p:sld>
-</file>
-
-<file path=ppt/slides/slide5.xml><?xml version="1.0" encoding="utf-8"?>
-<p:sld xmlns:a="http://schemas.openxmlformats.org/drawingml/2006/main" xmlns:r="http://schemas.openxmlformats.org/officeDocument/2006/relationships" xmlns:p="http://schemas.openxmlformats.org/presentationml/2006/main">
-  <p:cSld>
-    <p:spTree>
-      <p:nvGrpSpPr>
-        <p:cNvPr id="1" name=""/>
-        <p:cNvGrpSpPr/>
-        <p:nvPr/>
-      </p:nvGrpSpPr>
-      <p:grpSpPr>
-        <a:xfrm>
-          <a:off x="0" y="0"/>
-          <a:ext cx="0" cy="0"/>
-          <a:chOff x="0" y="0"/>
-          <a:chExt cx="0" cy="0"/>
-        </a:xfrm>
-      </p:grpSpPr>
-      <p:sp>
-        <p:nvSpPr>
-          <p:cNvPr id="2" name="Title 1"/>
-          <p:cNvSpPr>
-            <a:spLocks noGrp="1"/>
-          </p:cNvSpPr>
-          <p:nvPr>
-            <p:ph type="title"/>
-          </p:nvPr>
-        </p:nvSpPr>
-        <p:spPr/>
-        <p:txBody>
-          <a:bodyPr>
-            <a:normAutofit/>
-          </a:bodyPr>
-          <a:lstStyle/>
-          <a:p>
-            <a:r>
-              <a:rPr lang="en-IE" b="1" dirty="0"/>
-              <a:t>Document/Window </a:t>
-            </a:r>
-            <a:r>
-              <a:rPr lang="en-IE" b="1" dirty="0" smtClean="0"/>
-              <a:t>Events</a:t>
-            </a:r>
-            <a:endParaRPr lang="en-IE" dirty="0"/>
-          </a:p>
-        </p:txBody>
-      </p:sp>
-      <p:sp>
-        <p:nvSpPr>
-          <p:cNvPr id="3" name="Content Placeholder 2"/>
-          <p:cNvSpPr>
-            <a:spLocks noGrp="1"/>
-          </p:cNvSpPr>
-          <p:nvPr>
-            <p:ph idx="1"/>
-          </p:nvPr>
-        </p:nvSpPr>
-        <p:spPr/>
-        <p:txBody>
-          <a:bodyPr>
-            <a:normAutofit fontScale="92500"/>
-          </a:bodyPr>
-          <a:lstStyle/>
-          <a:p>
-            <a:r>
-              <a:rPr lang="en-US" b="1" dirty="0"/>
-              <a:t>.load</a:t>
-            </a:r>
-            <a:r>
-              <a:rPr lang="en-US" dirty="0"/>
-              <a:t>: The load fires when the web browser finishes downloading all of a web page's files.</a:t>
-            </a:r>
-          </a:p>
-          <a:p>
-            <a:r>
-              <a:rPr lang="en-US" b="1" dirty="0"/>
-              <a:t>.resize</a:t>
-            </a:r>
-            <a:r>
-              <a:rPr lang="en-US" dirty="0"/>
-              <a:t>: The resize fires when you resize the browser window by clicking the </a:t>
-            </a:r>
-            <a:r>
-              <a:rPr lang="en-US" dirty="0" err="1"/>
-              <a:t>maximise</a:t>
-            </a:r>
-            <a:r>
-              <a:rPr lang="en-US" dirty="0"/>
-              <a:t> button, or by dragging the browser's resize handle.</a:t>
-            </a:r>
-          </a:p>
-          <a:p>
-            <a:r>
-              <a:rPr lang="en-US" b="1" dirty="0"/>
-              <a:t>.scroll</a:t>
-            </a:r>
-            <a:r>
-              <a:rPr lang="en-US" dirty="0"/>
-              <a:t>: The scroll fires when you drag the scroll bar, or use the keyboard (up/down/home/end) keys, or mouse scroll wheel to scroll a web page. If the web page has no scroll bars then no scroll event is ever triggered.</a:t>
-            </a:r>
-          </a:p>
-          <a:p>
-            <a:r>
-              <a:rPr lang="en-US" b="1" dirty="0"/>
-              <a:t>.unload</a:t>
-            </a:r>
-            <a:r>
-              <a:rPr lang="en-US" dirty="0"/>
-              <a:t>: The unload fires when you click a link to go to another page, close a browser tab, or close a browser window.</a:t>
-            </a:r>
-          </a:p>
-          <a:p>
-            <a:pPr marL="0" indent="0">
-              <a:buNone/>
-            </a:pPr>
-            <a:endParaRPr lang="en-IE" dirty="0"/>
-          </a:p>
-        </p:txBody>
-      </p:sp>
-    </p:spTree>
-    <p:extLst>
-      <p:ext uri="{BB962C8B-B14F-4D97-AF65-F5344CB8AC3E}">
-        <p14:creationId xmlns:p14="http://schemas.microsoft.com/office/powerpoint/2010/main" val="442080874"/>
-      </p:ext>
-    </p:extLst>
-  </p:cSld>
-  <p:clrMapOvr>
-    <a:masterClrMapping/>
-  </p:clrMapOvr>
-</p:sld>
-</file>
-
-<file path=ppt/slides/slide6.xml><?xml version="1.0" encoding="utf-8"?>
-<p:sld xmlns:a="http://schemas.openxmlformats.org/drawingml/2006/main" xmlns:r="http://schemas.openxmlformats.org/officeDocument/2006/relationships" xmlns:p="http://schemas.openxmlformats.org/presentationml/2006/main">
-  <p:cSld>
-    <p:spTree>
-      <p:nvGrpSpPr>
-        <p:cNvPr id="1" name=""/>
-        <p:cNvGrpSpPr/>
-        <p:nvPr/>
-      </p:nvGrpSpPr>
-      <p:grpSpPr>
-        <a:xfrm>
-          <a:off x="0" y="0"/>
-          <a:ext cx="0" cy="0"/>
-          <a:chOff x="0" y="0"/>
-          <a:chExt cx="0" cy="0"/>
-        </a:xfrm>
-      </p:grpSpPr>
-      <p:sp>
-        <p:nvSpPr>
-          <p:cNvPr id="2" name="Title 1"/>
-          <p:cNvSpPr>
-            <a:spLocks noGrp="1"/>
-          </p:cNvSpPr>
-          <p:nvPr>
-            <p:ph type="title"/>
-          </p:nvPr>
-        </p:nvSpPr>
-        <p:spPr/>
-        <p:txBody>
-          <a:bodyPr/>
-          <a:lstStyle/>
-          <a:p>
-            <a:r>
-              <a:rPr lang="en-IE" b="1" dirty="0"/>
-              <a:t>Form </a:t>
-            </a:r>
-            <a:r>
-              <a:rPr lang="en-IE" b="1" dirty="0" smtClean="0"/>
-              <a:t>Events</a:t>
-            </a:r>
-            <a:endParaRPr lang="en-IE" dirty="0"/>
-          </a:p>
-        </p:txBody>
-      </p:sp>
-      <p:sp>
-        <p:nvSpPr>
-          <p:cNvPr id="3" name="Content Placeholder 2"/>
-          <p:cNvSpPr>
-            <a:spLocks noGrp="1"/>
-          </p:cNvSpPr>
-          <p:nvPr>
-            <p:ph idx="1"/>
-          </p:nvPr>
-        </p:nvSpPr>
-        <p:spPr/>
-        <p:txBody>
-          <a:bodyPr/>
-          <a:lstStyle/>
-          <a:p>
-            <a:r>
-              <a:rPr lang="en-US" b="1" dirty="0"/>
-              <a:t>.submit</a:t>
-            </a:r>
-            <a:r>
-              <a:rPr lang="en-US" dirty="0"/>
-              <a:t>: The submit fires whenever a visitor submits a form.</a:t>
-            </a:r>
-          </a:p>
-          <a:p>
-            <a:r>
-              <a:rPr lang="en-US" b="1" dirty="0"/>
-              <a:t>.reset</a:t>
-            </a:r>
-            <a:r>
-              <a:rPr lang="en-US" dirty="0"/>
-              <a:t>: The reset fires whenever a visitor clicks the reset button on a form.</a:t>
-            </a:r>
-          </a:p>
-          <a:p>
-            <a:r>
-              <a:rPr lang="en-US" b="1" dirty="0"/>
-              <a:t>.change</a:t>
-            </a:r>
-            <a:r>
-              <a:rPr lang="en-US" dirty="0"/>
-              <a:t>: The change fires whenever a form field value or status changes.</a:t>
-            </a:r>
-          </a:p>
-          <a:p>
-            <a:r>
-              <a:rPr lang="en-US" b="1" dirty="0"/>
-              <a:t>.focus</a:t>
-            </a:r>
-            <a:r>
-              <a:rPr lang="en-US" dirty="0"/>
-              <a:t>: The focus fires when you click into or select a form element.</a:t>
-            </a:r>
-          </a:p>
-          <a:p>
-            <a:r>
-              <a:rPr lang="en-US" b="1" dirty="0"/>
-              <a:t>.blur</a:t>
-            </a:r>
-            <a:r>
-              <a:rPr lang="en-US" dirty="0"/>
-              <a:t>: The blur fires when you exit a currently focused form element.</a:t>
-            </a:r>
-          </a:p>
-          <a:p>
-            <a:pPr marL="0" indent="0">
-              <a:buNone/>
-            </a:pPr>
-            <a:endParaRPr lang="en-IE" dirty="0"/>
-          </a:p>
-        </p:txBody>
-      </p:sp>
-    </p:spTree>
-    <p:extLst>
-      <p:ext uri="{BB962C8B-B14F-4D97-AF65-F5344CB8AC3E}">
-        <p14:creationId xmlns:p14="http://schemas.microsoft.com/office/powerpoint/2010/main" val="1326834950"/>
-      </p:ext>
-    </p:extLst>
-  </p:cSld>
-  <p:clrMapOvr>
-    <a:masterClrMapping/>
-  </p:clrMapOvr>
-</p:sld>
-</file>
-
-<file path=ppt/slides/slide7.xml><?xml version="1.0" encoding="utf-8"?>
-<p:sld xmlns:a="http://schemas.openxmlformats.org/drawingml/2006/main" xmlns:r="http://schemas.openxmlformats.org/officeDocument/2006/relationships" xmlns:p="http://schemas.openxmlformats.org/presentationml/2006/main">
-  <p:cSld>
-    <p:spTree>
-      <p:nvGrpSpPr>
-        <p:cNvPr id="1" name=""/>
-        <p:cNvGrpSpPr/>
-        <p:nvPr/>
-      </p:nvGrpSpPr>
-      <p:grpSpPr>
-        <a:xfrm>
-          <a:off x="0" y="0"/>
-          <a:ext cx="0" cy="0"/>
-          <a:chOff x="0" y="0"/>
-          <a:chExt cx="0" cy="0"/>
-        </a:xfrm>
-      </p:grpSpPr>
-      <p:sp>
-        <p:nvSpPr>
-          <p:cNvPr id="2" name="Title 1"/>
-          <p:cNvSpPr>
-            <a:spLocks noGrp="1"/>
-          </p:cNvSpPr>
-          <p:nvPr>
-            <p:ph type="title"/>
-          </p:nvPr>
-        </p:nvSpPr>
-        <p:spPr/>
-        <p:txBody>
           <a:bodyPr>
             <a:normAutofit/>
           </a:bodyPr>
@@ -10446,7 +10476,7 @@
         </p:blipFill>
         <p:spPr bwMode="auto">
           <a:xfrm>
-            <a:off x="2057400" y="4852988"/>
+            <a:off x="1600200" y="4852988"/>
             <a:ext cx="5154473" cy="1624012"/>
           </a:xfrm>
           <a:prstGeom prst="rect">
@@ -10490,7 +10520,7 @@
 </p:sld>
 </file>
 
-<file path=ppt/slides/slide8.xml><?xml version="1.0" encoding="utf-8"?>
+<file path=ppt/slides/slide5.xml><?xml version="1.0" encoding="utf-8"?>
 <p:sld xmlns:a="http://schemas.openxmlformats.org/drawingml/2006/main" xmlns:r="http://schemas.openxmlformats.org/officeDocument/2006/relationships" xmlns:p="http://schemas.openxmlformats.org/presentationml/2006/main">
   <p:cSld>
     <p:spTree>
@@ -10599,7 +10629,7 @@
 </p:sld>
 </file>
 
-<file path=ppt/slides/slide9.xml><?xml version="1.0" encoding="utf-8"?>
+<file path=ppt/slides/slide6.xml><?xml version="1.0" encoding="utf-8"?>
 <p:sld xmlns:a="http://schemas.openxmlformats.org/drawingml/2006/main" xmlns:r="http://schemas.openxmlformats.org/officeDocument/2006/relationships" xmlns:p="http://schemas.openxmlformats.org/presentationml/2006/main">
   <p:cSld>
     <p:spTree>
@@ -10763,7 +10793,7 @@
         </p:blipFill>
         <p:spPr bwMode="auto">
           <a:xfrm>
-            <a:off x="2395253" y="5257800"/>
+            <a:off x="1828800" y="5257800"/>
             <a:ext cx="4615147" cy="538162"/>
           </a:xfrm>
           <a:prstGeom prst="rect">
@@ -10798,6 +10828,432 @@
     <p:extLst>
       <p:ext uri="{BB962C8B-B14F-4D97-AF65-F5344CB8AC3E}">
         <p14:creationId xmlns:p14="http://schemas.microsoft.com/office/powerpoint/2010/main" val="4270843970"/>
+      </p:ext>
+    </p:extLst>
+  </p:cSld>
+  <p:clrMapOvr>
+    <a:masterClrMapping/>
+  </p:clrMapOvr>
+</p:sld>
+</file>
+
+<file path=ppt/slides/slide7.xml><?xml version="1.0" encoding="utf-8"?>
+<p:sld xmlns:a="http://schemas.openxmlformats.org/drawingml/2006/main" xmlns:r="http://schemas.openxmlformats.org/officeDocument/2006/relationships" xmlns:p="http://schemas.openxmlformats.org/presentationml/2006/main">
+  <p:cSld>
+    <p:spTree>
+      <p:nvGrpSpPr>
+        <p:cNvPr id="1" name=""/>
+        <p:cNvGrpSpPr/>
+        <p:nvPr/>
+      </p:nvGrpSpPr>
+      <p:grpSpPr>
+        <a:xfrm>
+          <a:off x="0" y="0"/>
+          <a:ext cx="0" cy="0"/>
+          <a:chOff x="0" y="0"/>
+          <a:chExt cx="0" cy="0"/>
+        </a:xfrm>
+      </p:grpSpPr>
+      <p:sp>
+        <p:nvSpPr>
+          <p:cNvPr id="2" name="Title 1"/>
+          <p:cNvSpPr>
+            <a:spLocks noGrp="1"/>
+          </p:cNvSpPr>
+          <p:nvPr>
+            <p:ph type="title"/>
+          </p:nvPr>
+        </p:nvSpPr>
+        <p:spPr/>
+        <p:txBody>
+          <a:bodyPr/>
+          <a:lstStyle/>
+          <a:p>
+            <a:r>
+              <a:rPr lang="en-IE" dirty="0" err="1" smtClean="0"/>
+              <a:t>Jquery</a:t>
+            </a:r>
+            <a:r>
+              <a:rPr lang="en-IE" dirty="0" smtClean="0"/>
+              <a:t> hover</a:t>
+            </a:r>
+            <a:endParaRPr lang="en-IE" dirty="0"/>
+          </a:p>
+        </p:txBody>
+      </p:sp>
+      <p:sp>
+        <p:nvSpPr>
+          <p:cNvPr id="3" name="Content Placeholder 2"/>
+          <p:cNvSpPr>
+            <a:spLocks noGrp="1"/>
+          </p:cNvSpPr>
+          <p:nvPr>
+            <p:ph idx="1"/>
+          </p:nvPr>
+        </p:nvSpPr>
+        <p:spPr/>
+        <p:txBody>
+          <a:bodyPr/>
+          <a:lstStyle/>
+          <a:p>
+            <a:r>
+              <a:rPr lang="en-US" dirty="0"/>
+              <a:t>In the following example, if we move the mouse over the image it changes; move the mouse away and the original image is restored.</a:t>
+            </a:r>
+            <a:endParaRPr lang="en-IE" dirty="0"/>
+          </a:p>
+        </p:txBody>
+      </p:sp>
+      <p:pic>
+        <p:nvPicPr>
+          <p:cNvPr id="4098" name="Picture 2"/>
+          <p:cNvPicPr>
+            <a:picLocks noChangeAspect="1" noChangeArrowheads="1"/>
+          </p:cNvPicPr>
+          <p:nvPr/>
+        </p:nvPicPr>
+        <p:blipFill>
+          <a:blip r:embed="rId2">
+            <a:extLst>
+              <a:ext uri="{28A0092B-C50C-407E-A947-70E740481C1C}">
+                <a14:useLocalDpi xmlns:a14="http://schemas.microsoft.com/office/drawing/2010/main" val="0"/>
+              </a:ext>
+            </a:extLst>
+          </a:blip>
+          <a:srcRect/>
+          <a:stretch>
+            <a:fillRect/>
+          </a:stretch>
+        </p:blipFill>
+        <p:spPr bwMode="auto">
+          <a:xfrm>
+            <a:off x="1646911" y="3276600"/>
+            <a:ext cx="5973089" cy="2347912"/>
+          </a:xfrm>
+          <a:prstGeom prst="rect">
+            <a:avLst/>
+          </a:prstGeom>
+          <a:noFill/>
+          <a:ln>
+            <a:noFill/>
+          </a:ln>
+          <a:extLst>
+            <a:ext uri="{909E8E84-426E-40DD-AFC4-6F175D3DCCD1}">
+              <a14:hiddenFill xmlns:a14="http://schemas.microsoft.com/office/drawing/2010/main">
+                <a:solidFill>
+                  <a:schemeClr val="accent1"/>
+                </a:solidFill>
+              </a14:hiddenFill>
+            </a:ext>
+            <a:ext uri="{91240B29-F687-4F45-9708-019B960494DF}">
+              <a14:hiddenLine xmlns:a14="http://schemas.microsoft.com/office/drawing/2010/main" w="9525">
+                <a:solidFill>
+                  <a:schemeClr val="tx1"/>
+                </a:solidFill>
+                <a:miter lim="800000"/>
+                <a:headEnd/>
+                <a:tailEnd/>
+              </a14:hiddenLine>
+            </a:ext>
+          </a:extLst>
+        </p:spPr>
+      </p:pic>
+    </p:spTree>
+    <p:extLst>
+      <p:ext uri="{BB962C8B-B14F-4D97-AF65-F5344CB8AC3E}">
+        <p14:creationId xmlns:p14="http://schemas.microsoft.com/office/powerpoint/2010/main" val="902126714"/>
+      </p:ext>
+    </p:extLst>
+  </p:cSld>
+  <p:clrMapOvr>
+    <a:masterClrMapping/>
+  </p:clrMapOvr>
+</p:sld>
+</file>
+
+<file path=ppt/slides/slide8.xml><?xml version="1.0" encoding="utf-8"?>
+<p:sld xmlns:a="http://schemas.openxmlformats.org/drawingml/2006/main" xmlns:r="http://schemas.openxmlformats.org/officeDocument/2006/relationships" xmlns:p="http://schemas.openxmlformats.org/presentationml/2006/main">
+  <p:cSld>
+    <p:spTree>
+      <p:nvGrpSpPr>
+        <p:cNvPr id="1" name=""/>
+        <p:cNvGrpSpPr/>
+        <p:nvPr/>
+      </p:nvGrpSpPr>
+      <p:grpSpPr>
+        <a:xfrm>
+          <a:off x="0" y="0"/>
+          <a:ext cx="0" cy="0"/>
+          <a:chOff x="0" y="0"/>
+          <a:chExt cx="0" cy="0"/>
+        </a:xfrm>
+      </p:grpSpPr>
+      <p:sp>
+        <p:nvSpPr>
+          <p:cNvPr id="2" name="Title 1"/>
+          <p:cNvSpPr>
+            <a:spLocks noGrp="1"/>
+          </p:cNvSpPr>
+          <p:nvPr>
+            <p:ph type="title"/>
+          </p:nvPr>
+        </p:nvSpPr>
+        <p:spPr/>
+        <p:txBody>
+          <a:bodyPr/>
+          <a:lstStyle/>
+          <a:p>
+            <a:r>
+              <a:rPr lang="en-IE" dirty="0" smtClean="0"/>
+              <a:t>Image rollover</a:t>
+            </a:r>
+            <a:endParaRPr lang="en-IE" dirty="0"/>
+          </a:p>
+        </p:txBody>
+      </p:sp>
+      <p:sp>
+        <p:nvSpPr>
+          <p:cNvPr id="3" name="Content Placeholder 2"/>
+          <p:cNvSpPr>
+            <a:spLocks noGrp="1"/>
+          </p:cNvSpPr>
+          <p:nvPr>
+            <p:ph idx="1"/>
+          </p:nvPr>
+        </p:nvSpPr>
+        <p:spPr>
+          <a:xfrm>
+            <a:off x="938758" y="2057400"/>
+            <a:ext cx="7633742" cy="3593591"/>
+          </a:xfrm>
+        </p:spPr>
+        <p:txBody>
+          <a:bodyPr/>
+          <a:lstStyle/>
+          <a:p>
+            <a:r>
+              <a:rPr lang="en-US" dirty="0"/>
+              <a:t>We will now look at a method of performing image rollovers. This example uses the opacity property in CSS to control the display (1 = fully visible; 0 = fully invisible).</a:t>
+            </a:r>
+            <a:endParaRPr lang="en-IE" dirty="0"/>
+          </a:p>
+        </p:txBody>
+      </p:sp>
+      <p:pic>
+        <p:nvPicPr>
+          <p:cNvPr id="1026" name="Picture 2"/>
+          <p:cNvPicPr>
+            <a:picLocks noChangeAspect="1" noChangeArrowheads="1"/>
+          </p:cNvPicPr>
+          <p:nvPr/>
+        </p:nvPicPr>
+        <p:blipFill>
+          <a:blip r:embed="rId2">
+            <a:extLst>
+              <a:ext uri="{28A0092B-C50C-407E-A947-70E740481C1C}">
+                <a14:useLocalDpi xmlns:a14="http://schemas.microsoft.com/office/drawing/2010/main" val="0"/>
+              </a:ext>
+            </a:extLst>
+          </a:blip>
+          <a:srcRect/>
+          <a:stretch>
+            <a:fillRect/>
+          </a:stretch>
+        </p:blipFill>
+        <p:spPr bwMode="auto">
+          <a:xfrm>
+            <a:off x="1828800" y="3445239"/>
+            <a:ext cx="4419600" cy="2872740"/>
+          </a:xfrm>
+          <a:prstGeom prst="rect">
+            <a:avLst/>
+          </a:prstGeom>
+          <a:noFill/>
+          <a:ln>
+            <a:noFill/>
+          </a:ln>
+          <a:extLst>
+            <a:ext uri="{909E8E84-426E-40DD-AFC4-6F175D3DCCD1}">
+              <a14:hiddenFill xmlns:a14="http://schemas.microsoft.com/office/drawing/2010/main">
+                <a:solidFill>
+                  <a:schemeClr val="accent1"/>
+                </a:solidFill>
+              </a14:hiddenFill>
+            </a:ext>
+            <a:ext uri="{91240B29-F687-4F45-9708-019B960494DF}">
+              <a14:hiddenLine xmlns:a14="http://schemas.microsoft.com/office/drawing/2010/main" w="9525">
+                <a:solidFill>
+                  <a:schemeClr val="tx1"/>
+                </a:solidFill>
+                <a:miter lim="800000"/>
+                <a:headEnd/>
+                <a:tailEnd/>
+              </a14:hiddenLine>
+            </a:ext>
+          </a:extLst>
+        </p:spPr>
+      </p:pic>
+    </p:spTree>
+    <p:extLst>
+      <p:ext uri="{BB962C8B-B14F-4D97-AF65-F5344CB8AC3E}">
+        <p14:creationId xmlns:p14="http://schemas.microsoft.com/office/powerpoint/2010/main" val="2292206452"/>
+      </p:ext>
+    </p:extLst>
+  </p:cSld>
+  <p:clrMapOvr>
+    <a:masterClrMapping/>
+  </p:clrMapOvr>
+</p:sld>
+</file>
+
+<file path=ppt/slides/slide9.xml><?xml version="1.0" encoding="utf-8"?>
+<p:sld xmlns:a="http://schemas.openxmlformats.org/drawingml/2006/main" xmlns:r="http://schemas.openxmlformats.org/officeDocument/2006/relationships" xmlns:p="http://schemas.openxmlformats.org/presentationml/2006/main">
+  <p:cSld>
+    <p:spTree>
+      <p:nvGrpSpPr>
+        <p:cNvPr id="1" name=""/>
+        <p:cNvGrpSpPr/>
+        <p:nvPr/>
+      </p:nvGrpSpPr>
+      <p:grpSpPr>
+        <a:xfrm>
+          <a:off x="0" y="0"/>
+          <a:ext cx="0" cy="0"/>
+          <a:chOff x="0" y="0"/>
+          <a:chExt cx="0" cy="0"/>
+        </a:xfrm>
+      </p:grpSpPr>
+      <p:sp>
+        <p:nvSpPr>
+          <p:cNvPr id="2" name="Title 1"/>
+          <p:cNvSpPr>
+            <a:spLocks noGrp="1"/>
+          </p:cNvSpPr>
+          <p:nvPr>
+            <p:ph type="title"/>
+          </p:nvPr>
+        </p:nvSpPr>
+        <p:spPr/>
+        <p:txBody>
+          <a:bodyPr/>
+          <a:lstStyle/>
+          <a:p>
+            <a:r>
+              <a:rPr lang="en-IE" dirty="0" smtClean="0"/>
+              <a:t>Image rollover</a:t>
+            </a:r>
+            <a:endParaRPr lang="en-IE" dirty="0"/>
+          </a:p>
+        </p:txBody>
+      </p:sp>
+      <p:sp>
+        <p:nvSpPr>
+          <p:cNvPr id="3" name="Content Placeholder 2"/>
+          <p:cNvSpPr>
+            <a:spLocks noGrp="1"/>
+          </p:cNvSpPr>
+          <p:nvPr>
+            <p:ph idx="1"/>
+          </p:nvPr>
+        </p:nvSpPr>
+        <p:spPr>
+          <a:xfrm>
+            <a:off x="938758" y="1981200"/>
+            <a:ext cx="7633742" cy="3593591"/>
+          </a:xfrm>
+        </p:spPr>
+        <p:txBody>
+          <a:bodyPr/>
+          <a:lstStyle/>
+          <a:p>
+            <a:r>
+              <a:rPr lang="en-US" dirty="0"/>
+              <a:t>In this example, we also use the .</a:t>
+            </a:r>
+            <a:r>
+              <a:rPr lang="en-US" dirty="0" err="1"/>
+              <a:t>fadeTo</a:t>
+            </a:r>
+            <a:r>
+              <a:rPr lang="en-US" dirty="0"/>
+              <a:t>() method </a:t>
+            </a:r>
+            <a:r>
+              <a:rPr lang="en-US" dirty="0" err="1"/>
+              <a:t>tofade</a:t>
+            </a:r>
+            <a:r>
+              <a:rPr lang="en-US" dirty="0"/>
+              <a:t> in and out the opacity of the images</a:t>
+            </a:r>
+            <a:r>
+              <a:rPr lang="en-US" dirty="0" smtClean="0"/>
+              <a:t>.</a:t>
+            </a:r>
+          </a:p>
+          <a:p>
+            <a:endParaRPr lang="en-IE" dirty="0"/>
+          </a:p>
+        </p:txBody>
+      </p:sp>
+      <p:pic>
+        <p:nvPicPr>
+          <p:cNvPr id="2051" name="Picture 3"/>
+          <p:cNvPicPr>
+            <a:picLocks noChangeAspect="1" noChangeArrowheads="1"/>
+          </p:cNvPicPr>
+          <p:nvPr/>
+        </p:nvPicPr>
+        <p:blipFill>
+          <a:blip r:embed="rId2">
+            <a:extLst>
+              <a:ext uri="{28A0092B-C50C-407E-A947-70E740481C1C}">
+                <a14:useLocalDpi xmlns:a14="http://schemas.microsoft.com/office/drawing/2010/main" val="0"/>
+              </a:ext>
+            </a:extLst>
+          </a:blip>
+          <a:srcRect/>
+          <a:stretch>
+            <a:fillRect/>
+          </a:stretch>
+        </p:blipFill>
+        <p:spPr bwMode="auto">
+          <a:xfrm>
+            <a:off x="1905001" y="2817982"/>
+            <a:ext cx="4672368" cy="2820818"/>
+          </a:xfrm>
+          <a:prstGeom prst="rect">
+            <a:avLst/>
+          </a:prstGeom>
+          <a:noFill/>
+          <a:ln>
+            <a:noFill/>
+          </a:ln>
+          <a:extLst>
+            <a:ext uri="{909E8E84-426E-40DD-AFC4-6F175D3DCCD1}">
+              <a14:hiddenFill xmlns:a14="http://schemas.microsoft.com/office/drawing/2010/main">
+                <a:solidFill>
+                  <a:schemeClr val="accent1"/>
+                </a:solidFill>
+              </a14:hiddenFill>
+            </a:ext>
+            <a:ext uri="{91240B29-F687-4F45-9708-019B960494DF}">
+              <a14:hiddenLine xmlns:a14="http://schemas.microsoft.com/office/drawing/2010/main" w="9525">
+                <a:solidFill>
+                  <a:schemeClr val="tx1"/>
+                </a:solidFill>
+                <a:miter lim="800000"/>
+                <a:headEnd/>
+                <a:tailEnd/>
+              </a14:hiddenLine>
+            </a:ext>
+          </a:extLst>
+        </p:spPr>
+      </p:pic>
+    </p:spTree>
+    <p:extLst>
+      <p:ext uri="{BB962C8B-B14F-4D97-AF65-F5344CB8AC3E}">
+        <p14:creationId xmlns:p14="http://schemas.microsoft.com/office/powerpoint/2010/main" val="920779482"/>
       </p:ext>
     </p:extLst>
   </p:cSld>
@@ -11061,7 +11517,7 @@
   <a:extraClrSchemeLst/>
   <a:extLst>
     <a:ext uri="{05A4C25C-085E-4340-85A3-A5531E510DB2}">
-      <thm15:themeFamily xmlns="" xmlns:thm15="http://schemas.microsoft.com/office/thememl/2012/main" name="Badge" id="{71A07785-5930-41D4-9A83-E23602B48E98}" vid="{771EA782-DFA6-45B1-AEA3-661F1715B310}"/>
+      <thm15:themeFamily xmlns:thm15="http://schemas.microsoft.com/office/thememl/2012/main" xmlns="" name="Badge" id="{71A07785-5930-41D4-9A83-E23602B48E98}" vid="{771EA782-DFA6-45B1-AEA3-661F1715B310}"/>
     </a:ext>
   </a:extLst>
 </a:theme>

--- a/topic-06-jQuery-2/talk-1/talk-1.pptx
+++ b/topic-06-jQuery-2/talk-1/talk-1.pptx
@@ -132,7 +132,7 @@
   </p:defaultTextStyle>
   <p:extLst>
     <p:ext uri="{EFAFB233-063F-42B5-8137-9DF3F51BA10A}">
-      <p15:sldGuideLst xmlns:p15="http://schemas.microsoft.com/office/powerpoint/2012/main" xmlns="">
+      <p15:sldGuideLst xmlns="" xmlns:p15="http://schemas.microsoft.com/office/powerpoint/2012/main">
         <p15:guide id="1" orient="horz" pos="2160">
           <p15:clr>
             <a:srgbClr val="A4A3A4"/>
@@ -4798,7 +4798,7 @@
   </p:clrMapOvr>
   <p:extLst mod="1">
     <p:ext uri="{DCECCB84-F9BA-43D5-87BE-67443E8EF086}">
-      <p15:sldGuideLst xmlns:p15="http://schemas.microsoft.com/office/powerpoint/2012/main" xmlns=""/>
+      <p15:sldGuideLst xmlns="" xmlns:p15="http://schemas.microsoft.com/office/powerpoint/2012/main"/>
     </p:ext>
   </p:extLst>
 </p:sldLayout>
@@ -5188,7 +5188,7 @@
   </p:clrMapOvr>
   <p:extLst mod="1">
     <p:ext uri="{DCECCB84-F9BA-43D5-87BE-67443E8EF086}">
-      <p15:sldGuideLst xmlns:p15="http://schemas.microsoft.com/office/powerpoint/2012/main" xmlns=""/>
+      <p15:sldGuideLst xmlns="" xmlns:p15="http://schemas.microsoft.com/office/powerpoint/2012/main"/>
     </p:ext>
   </p:extLst>
 </p:sldLayout>
@@ -6257,7 +6257,7 @@
   </p:clrMapOvr>
   <p:extLst mod="1">
     <p:ext uri="{DCECCB84-F9BA-43D5-87BE-67443E8EF086}">
-      <p15:sldGuideLst xmlns:p15="http://schemas.microsoft.com/office/powerpoint/2012/main" xmlns="">
+      <p15:sldGuideLst xmlns="" xmlns:p15="http://schemas.microsoft.com/office/powerpoint/2012/main">
         <p15:guide id="1" orient="horz" pos="696">
           <p15:clr>
             <a:srgbClr val="FBAE40"/>
@@ -7874,7 +7874,7 @@
   </p:txStyles>
   <p:extLst mod="1">
     <p:ext uri="{27BBF7A9-308A-43DC-89C8-2F10F3537804}">
-      <p15:sldGuideLst xmlns:p15="http://schemas.microsoft.com/office/powerpoint/2012/main" xmlns="">
+      <p15:sldGuideLst xmlns="" xmlns:p15="http://schemas.microsoft.com/office/powerpoint/2012/main">
         <p15:guide id="1" pos="792">
           <p15:clr>
             <a:srgbClr val="F26B43"/>
@@ -10049,7 +10049,25 @@
             </a:r>
             <a:r>
               <a:rPr lang="en-US" dirty="0" smtClean="0"/>
-              <a:t>div.</a:t>
+              <a:t>div</a:t>
+            </a:r>
+            <a:r>
+              <a:rPr lang="en-US" dirty="0" smtClean="0"/>
+              <a:t>.</a:t>
+            </a:r>
+          </a:p>
+          <a:p>
+            <a:r>
+              <a:rPr lang="en-US" dirty="0" smtClean="0"/>
+              <a:t>The error </a:t>
+            </a:r>
+            <a:r>
+              <a:rPr lang="en-US" smtClean="0"/>
+              <a:t>div includes a </a:t>
+            </a:r>
+            <a:r>
+              <a:rPr lang="en-US" dirty="0" smtClean="0"/>
+              <a:t>class to style the error message (if displayed).</a:t>
             </a:r>
             <a:endParaRPr lang="en-US" dirty="0"/>
           </a:p>
@@ -10289,11 +10307,7 @@
             </a:r>
             <a:r>
               <a:rPr lang="en-US" sz="2400" dirty="0" smtClean="0"/>
-              <a:t>three</a:t>
-            </a:r>
-            <a:r>
-              <a:rPr lang="en-US" sz="2400" dirty="0" smtClean="0"/>
-              <a:t>-stage </a:t>
+              <a:t>three-stage </a:t>
             </a:r>
             <a:r>
               <a:rPr lang="en-US" sz="2400" dirty="0"/>
@@ -11517,7 +11531,7 @@
   <a:extraClrSchemeLst/>
   <a:extLst>
     <a:ext uri="{05A4C25C-085E-4340-85A3-A5531E510DB2}">
-      <thm15:themeFamily xmlns:thm15="http://schemas.microsoft.com/office/thememl/2012/main" xmlns="" name="Badge" id="{71A07785-5930-41D4-9A83-E23602B48E98}" vid="{771EA782-DFA6-45B1-AEA3-661F1715B310}"/>
+      <thm15:themeFamily xmlns="" xmlns:thm15="http://schemas.microsoft.com/office/thememl/2012/main" name="Badge" id="{71A07785-5930-41D4-9A83-E23602B48E98}" vid="{771EA782-DFA6-45B1-AEA3-661F1715B310}"/>
     </a:ext>
   </a:extLst>
 </a:theme>
